--- a/image.pptx
+++ b/image.pptx
@@ -19,6 +19,21 @@
     <p:sldId id="263" r:id="rId13"/>
     <p:sldId id="264" r:id="rId14"/>
     <p:sldId id="269" r:id="rId15"/>
+    <p:sldId id="270" r:id="rId16"/>
+    <p:sldId id="271" r:id="rId17"/>
+    <p:sldId id="272" r:id="rId18"/>
+    <p:sldId id="273" r:id="rId19"/>
+    <p:sldId id="274" r:id="rId20"/>
+    <p:sldId id="276" r:id="rId21"/>
+    <p:sldId id="278" r:id="rId22"/>
+    <p:sldId id="279" r:id="rId23"/>
+    <p:sldId id="283" r:id="rId24"/>
+    <p:sldId id="275" r:id="rId25"/>
+    <p:sldId id="284" r:id="rId26"/>
+    <p:sldId id="285" r:id="rId27"/>
+    <p:sldId id="280" r:id="rId28"/>
+    <p:sldId id="282" r:id="rId29"/>
+    <p:sldId id="286" r:id="rId30"/>
   </p:sldIdLst>
   <p:sldSz cx="12192000" cy="6858000"/>
   <p:notesSz cx="6858000" cy="9144000"/>
@@ -4602,6 +4617,1773 @@
           <a:chExt cx="0" cy="0"/>
         </a:xfrm>
       </p:grpSpPr>
+      <p:grpSp>
+        <p:nvGrpSpPr>
+          <p:cNvPr id="39" name="グループ化 38">
+            <a:extLst>
+              <a:ext uri="{FF2B5EF4-FFF2-40B4-BE49-F238E27FC236}">
+                <a16:creationId xmlns:a16="http://schemas.microsoft.com/office/drawing/2014/main" id="{2726B125-4762-FB43-8F2C-90909F757AF4}"/>
+              </a:ext>
+            </a:extLst>
+          </p:cNvPr>
+          <p:cNvGrpSpPr/>
+          <p:nvPr/>
+        </p:nvGrpSpPr>
+        <p:grpSpPr>
+          <a:xfrm>
+            <a:off x="642938" y="914400"/>
+            <a:ext cx="11015662" cy="5200650"/>
+            <a:chOff x="642938" y="914400"/>
+            <a:chExt cx="11015662" cy="5200650"/>
+          </a:xfrm>
+        </p:grpSpPr>
+        <p:sp>
+          <p:nvSpPr>
+            <p:cNvPr id="34" name="正方形/長方形 33">
+              <a:extLst>
+                <a:ext uri="{FF2B5EF4-FFF2-40B4-BE49-F238E27FC236}">
+                  <a16:creationId xmlns:a16="http://schemas.microsoft.com/office/drawing/2014/main" id="{ED54B7CA-D72C-5440-AB57-754864A55148}"/>
+                </a:ext>
+              </a:extLst>
+            </p:cNvPr>
+            <p:cNvSpPr/>
+            <p:nvPr/>
+          </p:nvSpPr>
+          <p:spPr>
+            <a:xfrm>
+              <a:off x="642938" y="914400"/>
+              <a:ext cx="11015662" cy="5200650"/>
+            </a:xfrm>
+            <a:prstGeom prst="rect">
+              <a:avLst/>
+            </a:prstGeom>
+            <a:solidFill>
+              <a:schemeClr val="bg1"/>
+            </a:solidFill>
+            <a:ln>
+              <a:noFill/>
+            </a:ln>
+          </p:spPr>
+          <p:style>
+            <a:lnRef idx="2">
+              <a:schemeClr val="accent1">
+                <a:shade val="50000"/>
+              </a:schemeClr>
+            </a:lnRef>
+            <a:fillRef idx="1">
+              <a:schemeClr val="accent1"/>
+            </a:fillRef>
+            <a:effectRef idx="0">
+              <a:schemeClr val="accent1"/>
+            </a:effectRef>
+            <a:fontRef idx="minor">
+              <a:schemeClr val="lt1"/>
+            </a:fontRef>
+          </p:style>
+          <p:txBody>
+            <a:bodyPr rtlCol="0" anchor="ctr"/>
+            <a:lstStyle/>
+            <a:p>
+              <a:pPr algn="ctr"/>
+              <a:endParaRPr kumimoji="1" lang="ja-JP" altLang="en-US">
+                <a:latin typeface="IBM Plex Sans JP" panose="020B0503050203000203" pitchFamily="34" charset="-128"/>
+                <a:ea typeface="IBM Plex Sans JP" panose="020B0503050203000203" pitchFamily="34" charset="-128"/>
+              </a:endParaRPr>
+            </a:p>
+          </p:txBody>
+        </p:sp>
+        <p:sp>
+          <p:nvSpPr>
+            <p:cNvPr id="25" name="正方形/長方形 24">
+              <a:extLst>
+                <a:ext uri="{FF2B5EF4-FFF2-40B4-BE49-F238E27FC236}">
+                  <a16:creationId xmlns:a16="http://schemas.microsoft.com/office/drawing/2014/main" id="{75FD7004-5AD8-144B-85EF-23CB661A8B60}"/>
+                </a:ext>
+              </a:extLst>
+            </p:cNvPr>
+            <p:cNvSpPr/>
+            <p:nvPr/>
+          </p:nvSpPr>
+          <p:spPr>
+            <a:xfrm>
+              <a:off x="2586994" y="3142895"/>
+              <a:ext cx="6226387" cy="1858428"/>
+            </a:xfrm>
+            <a:prstGeom prst="rect">
+              <a:avLst/>
+            </a:prstGeom>
+            <a:noFill/>
+            <a:ln w="28575">
+              <a:solidFill>
+                <a:srgbClr val="FF0000"/>
+              </a:solidFill>
+              <a:prstDash val="sysDash"/>
+            </a:ln>
+          </p:spPr>
+          <p:style>
+            <a:lnRef idx="2">
+              <a:schemeClr val="accent1">
+                <a:shade val="50000"/>
+              </a:schemeClr>
+            </a:lnRef>
+            <a:fillRef idx="1">
+              <a:schemeClr val="accent1"/>
+            </a:fillRef>
+            <a:effectRef idx="0">
+              <a:schemeClr val="accent1"/>
+            </a:effectRef>
+            <a:fontRef idx="minor">
+              <a:schemeClr val="lt1"/>
+            </a:fontRef>
+          </p:style>
+          <p:txBody>
+            <a:bodyPr rtlCol="0" anchor="ctr"/>
+            <a:lstStyle/>
+            <a:p>
+              <a:pPr algn="ctr"/>
+              <a:endParaRPr kumimoji="1" lang="ja-JP" altLang="en-US"/>
+            </a:p>
+          </p:txBody>
+        </p:sp>
+        <p:sp>
+          <p:nvSpPr>
+            <p:cNvPr id="4" name="角丸四角形 3">
+              <a:extLst>
+                <a:ext uri="{FF2B5EF4-FFF2-40B4-BE49-F238E27FC236}">
+                  <a16:creationId xmlns:a16="http://schemas.microsoft.com/office/drawing/2014/main" id="{BB8D6D6E-B64E-0B4D-A89F-F729310C7B1A}"/>
+                </a:ext>
+              </a:extLst>
+            </p:cNvPr>
+            <p:cNvSpPr/>
+            <p:nvPr/>
+          </p:nvSpPr>
+          <p:spPr>
+            <a:xfrm>
+              <a:off x="3032345" y="3475348"/>
+              <a:ext cx="1639229" cy="1085850"/>
+            </a:xfrm>
+            <a:prstGeom prst="roundRect">
+              <a:avLst/>
+            </a:prstGeom>
+          </p:spPr>
+          <p:style>
+            <a:lnRef idx="2">
+              <a:schemeClr val="accent1">
+                <a:shade val="50000"/>
+              </a:schemeClr>
+            </a:lnRef>
+            <a:fillRef idx="1">
+              <a:schemeClr val="accent1"/>
+            </a:fillRef>
+            <a:effectRef idx="0">
+              <a:schemeClr val="accent1"/>
+            </a:effectRef>
+            <a:fontRef idx="minor">
+              <a:schemeClr val="lt1"/>
+            </a:fontRef>
+          </p:style>
+          <p:txBody>
+            <a:bodyPr rtlCol="0" anchor="ctr"/>
+            <a:lstStyle/>
+            <a:p>
+              <a:pPr algn="ctr"/>
+              <a:r>
+                <a:rPr kumimoji="1" lang="en-US" altLang="ja-JP" sz="1200" dirty="0">
+                  <a:latin typeface="IBM Plex Sans JP" panose="020B0503050203000203" pitchFamily="34" charset="-128"/>
+                  <a:ea typeface="IBM Plex Sans JP" panose="020B0503050203000203" pitchFamily="34" charset="-128"/>
+                </a:rPr>
+                <a:t>&lt;fetch-repository&gt;</a:t>
+              </a:r>
+            </a:p>
+            <a:p>
+              <a:pPr algn="ctr"/>
+              <a:r>
+                <a:rPr kumimoji="1" lang="en-US" altLang="ja-JP" dirty="0">
+                  <a:latin typeface="IBM Plex Sans JP" panose="020B0503050203000203" pitchFamily="34" charset="-128"/>
+                  <a:ea typeface="IBM Plex Sans JP" panose="020B0503050203000203" pitchFamily="34" charset="-128"/>
+                </a:rPr>
+                <a:t>Git</a:t>
+              </a:r>
+              <a:r>
+                <a:rPr kumimoji="1" lang="ja-JP" altLang="en-US">
+                  <a:latin typeface="IBM Plex Sans JP" panose="020B0503050203000203" pitchFamily="34" charset="-128"/>
+                  <a:ea typeface="IBM Plex Sans JP" panose="020B0503050203000203" pitchFamily="34" charset="-128"/>
+                </a:rPr>
+                <a:t>クローン</a:t>
+              </a:r>
+              <a:endParaRPr kumimoji="1" lang="en-US" altLang="ja-JP" dirty="0">
+                <a:latin typeface="IBM Plex Sans JP" panose="020B0503050203000203" pitchFamily="34" charset="-128"/>
+                <a:ea typeface="IBM Plex Sans JP" panose="020B0503050203000203" pitchFamily="34" charset="-128"/>
+              </a:endParaRPr>
+            </a:p>
+          </p:txBody>
+        </p:sp>
+        <p:sp>
+          <p:nvSpPr>
+            <p:cNvPr id="5" name="角丸四角形 4">
+              <a:extLst>
+                <a:ext uri="{FF2B5EF4-FFF2-40B4-BE49-F238E27FC236}">
+                  <a16:creationId xmlns:a16="http://schemas.microsoft.com/office/drawing/2014/main" id="{DD4082DB-E72F-254C-B625-2517E6F53734}"/>
+                </a:ext>
+              </a:extLst>
+            </p:cNvPr>
+            <p:cNvSpPr/>
+            <p:nvPr/>
+          </p:nvSpPr>
+          <p:spPr>
+            <a:xfrm>
+              <a:off x="5050483" y="3475348"/>
+              <a:ext cx="1457325" cy="1085850"/>
+            </a:xfrm>
+            <a:prstGeom prst="roundRect">
+              <a:avLst/>
+            </a:prstGeom>
+          </p:spPr>
+          <p:style>
+            <a:lnRef idx="2">
+              <a:schemeClr val="accent1">
+                <a:shade val="50000"/>
+              </a:schemeClr>
+            </a:lnRef>
+            <a:fillRef idx="1">
+              <a:schemeClr val="accent1"/>
+            </a:fillRef>
+            <a:effectRef idx="0">
+              <a:schemeClr val="accent1"/>
+            </a:effectRef>
+            <a:fontRef idx="minor">
+              <a:schemeClr val="lt1"/>
+            </a:fontRef>
+          </p:style>
+          <p:txBody>
+            <a:bodyPr rtlCol="0" anchor="ctr"/>
+            <a:lstStyle/>
+            <a:p>
+              <a:pPr algn="ctr"/>
+              <a:r>
+                <a:rPr kumimoji="1" lang="en-US" altLang="ja-JP" sz="1200" dirty="0">
+                  <a:latin typeface="IBM Plex Sans JP" panose="020B0503050203000203" pitchFamily="34" charset="-128"/>
+                  <a:ea typeface="IBM Plex Sans JP" panose="020B0503050203000203" pitchFamily="34" charset="-128"/>
+                </a:rPr>
+                <a:t>&lt;build&gt;</a:t>
+              </a:r>
+            </a:p>
+            <a:p>
+              <a:pPr algn="ctr"/>
+              <a:r>
+                <a:rPr kumimoji="1" lang="en-US" altLang="ja-JP" dirty="0">
+                  <a:latin typeface="IBM Plex Sans JP" panose="020B0503050203000203" pitchFamily="34" charset="-128"/>
+                  <a:ea typeface="IBM Plex Sans JP" panose="020B0503050203000203" pitchFamily="34" charset="-128"/>
+                </a:rPr>
+                <a:t>S2I</a:t>
+              </a:r>
+              <a:r>
+                <a:rPr kumimoji="1" lang="ja-JP" altLang="en-US">
+                  <a:latin typeface="IBM Plex Sans JP" panose="020B0503050203000203" pitchFamily="34" charset="-128"/>
+                  <a:ea typeface="IBM Plex Sans JP" panose="020B0503050203000203" pitchFamily="34" charset="-128"/>
+                </a:rPr>
+                <a:t>ビルド</a:t>
+              </a:r>
+              <a:endParaRPr kumimoji="1" lang="en-US" altLang="ja-JP" dirty="0">
+                <a:latin typeface="IBM Plex Sans JP" panose="020B0503050203000203" pitchFamily="34" charset="-128"/>
+                <a:ea typeface="IBM Plex Sans JP" panose="020B0503050203000203" pitchFamily="34" charset="-128"/>
+              </a:endParaRPr>
+            </a:p>
+            <a:p>
+              <a:pPr algn="ctr"/>
+              <a:r>
+                <a:rPr lang="ja-JP" altLang="en-US">
+                  <a:latin typeface="IBM Plex Sans JP" panose="020B0503050203000203" pitchFamily="34" charset="-128"/>
+                  <a:ea typeface="IBM Plex Sans JP" panose="020B0503050203000203" pitchFamily="34" charset="-128"/>
+                </a:rPr>
+                <a:t>プッシュ</a:t>
+              </a:r>
+              <a:endParaRPr kumimoji="1" lang="en-US" altLang="ja-JP" dirty="0">
+                <a:latin typeface="IBM Plex Sans JP" panose="020B0503050203000203" pitchFamily="34" charset="-128"/>
+                <a:ea typeface="IBM Plex Sans JP" panose="020B0503050203000203" pitchFamily="34" charset="-128"/>
+              </a:endParaRPr>
+            </a:p>
+          </p:txBody>
+        </p:sp>
+        <p:sp>
+          <p:nvSpPr>
+            <p:cNvPr id="6" name="角丸四角形 5">
+              <a:extLst>
+                <a:ext uri="{FF2B5EF4-FFF2-40B4-BE49-F238E27FC236}">
+                  <a16:creationId xmlns:a16="http://schemas.microsoft.com/office/drawing/2014/main" id="{9C99E602-759D-A043-BABE-82DFBEC59A30}"/>
+                </a:ext>
+              </a:extLst>
+            </p:cNvPr>
+            <p:cNvSpPr/>
+            <p:nvPr/>
+          </p:nvSpPr>
+          <p:spPr>
+            <a:xfrm>
+              <a:off x="6886717" y="3475348"/>
+              <a:ext cx="1457325" cy="1085850"/>
+            </a:xfrm>
+            <a:prstGeom prst="roundRect">
+              <a:avLst/>
+            </a:prstGeom>
+          </p:spPr>
+          <p:style>
+            <a:lnRef idx="2">
+              <a:schemeClr val="accent1">
+                <a:shade val="50000"/>
+              </a:schemeClr>
+            </a:lnRef>
+            <a:fillRef idx="1">
+              <a:schemeClr val="accent1"/>
+            </a:fillRef>
+            <a:effectRef idx="0">
+              <a:schemeClr val="accent1"/>
+            </a:effectRef>
+            <a:fontRef idx="minor">
+              <a:schemeClr val="lt1"/>
+            </a:fontRef>
+          </p:style>
+          <p:txBody>
+            <a:bodyPr rtlCol="0" anchor="ctr"/>
+            <a:lstStyle/>
+            <a:p>
+              <a:pPr algn="ctr"/>
+              <a:r>
+                <a:rPr kumimoji="1" lang="en-US" altLang="ja-JP" sz="1200" dirty="0">
+                  <a:latin typeface="IBM Plex Sans JP" panose="020B0503050203000203" pitchFamily="34" charset="-128"/>
+                  <a:ea typeface="IBM Plex Sans JP" panose="020B0503050203000203" pitchFamily="34" charset="-128"/>
+                </a:rPr>
+                <a:t>&lt;deploy&gt;</a:t>
+              </a:r>
+            </a:p>
+            <a:p>
+              <a:pPr algn="ctr"/>
+              <a:r>
+                <a:rPr kumimoji="1" lang="en-US" altLang="ja-JP" sz="1600" dirty="0">
+                  <a:latin typeface="IBM Plex Sans JP" panose="020B0503050203000203" pitchFamily="34" charset="-128"/>
+                  <a:ea typeface="IBM Plex Sans JP" panose="020B0503050203000203" pitchFamily="34" charset="-128"/>
+                </a:rPr>
+                <a:t>OpenShift</a:t>
+              </a:r>
+              <a:r>
+                <a:rPr kumimoji="1" lang="ja-JP" altLang="en-US" sz="1600">
+                  <a:latin typeface="IBM Plex Sans JP" panose="020B0503050203000203" pitchFamily="34" charset="-128"/>
+                  <a:ea typeface="IBM Plex Sans JP" panose="020B0503050203000203" pitchFamily="34" charset="-128"/>
+                </a:rPr>
+                <a:t>へデプロイ</a:t>
+              </a:r>
+              <a:endParaRPr kumimoji="1" lang="en-US" altLang="ja-JP" sz="1600" dirty="0">
+                <a:latin typeface="IBM Plex Sans JP" panose="020B0503050203000203" pitchFamily="34" charset="-128"/>
+                <a:ea typeface="IBM Plex Sans JP" panose="020B0503050203000203" pitchFamily="34" charset="-128"/>
+              </a:endParaRPr>
+            </a:p>
+          </p:txBody>
+        </p:sp>
+        <p:sp>
+          <p:nvSpPr>
+            <p:cNvPr id="7" name="円柱 6">
+              <a:extLst>
+                <a:ext uri="{FF2B5EF4-FFF2-40B4-BE49-F238E27FC236}">
+                  <a16:creationId xmlns:a16="http://schemas.microsoft.com/office/drawing/2014/main" id="{A972E712-52EC-6442-A99D-EF0BF9D21D44}"/>
+                </a:ext>
+              </a:extLst>
+            </p:cNvPr>
+            <p:cNvSpPr/>
+            <p:nvPr/>
+          </p:nvSpPr>
+          <p:spPr>
+            <a:xfrm>
+              <a:off x="4504306" y="5301011"/>
+              <a:ext cx="2620537" cy="814039"/>
+            </a:xfrm>
+            <a:prstGeom prst="can">
+              <a:avLst/>
+            </a:prstGeom>
+          </p:spPr>
+          <p:style>
+            <a:lnRef idx="2">
+              <a:schemeClr val="accent3">
+                <a:shade val="50000"/>
+              </a:schemeClr>
+            </a:lnRef>
+            <a:fillRef idx="1">
+              <a:schemeClr val="accent3"/>
+            </a:fillRef>
+            <a:effectRef idx="0">
+              <a:schemeClr val="accent3"/>
+            </a:effectRef>
+            <a:fontRef idx="minor">
+              <a:schemeClr val="lt1"/>
+            </a:fontRef>
+          </p:style>
+          <p:txBody>
+            <a:bodyPr rtlCol="0" anchor="ctr"/>
+            <a:lstStyle/>
+            <a:p>
+              <a:pPr algn="ctr"/>
+              <a:r>
+                <a:rPr kumimoji="1" lang="ja-JP" altLang="en-US" sz="1400">
+                  <a:latin typeface="IBM Plex Sans JP" panose="020B0503050203000203" pitchFamily="34" charset="-128"/>
+                  <a:ea typeface="IBM Plex Sans JP" panose="020B0503050203000203" pitchFamily="34" charset="-128"/>
+                </a:rPr>
+                <a:t>ワークスペース</a:t>
+              </a:r>
+              <a:endParaRPr kumimoji="1" lang="en-US" altLang="ja-JP" sz="1400" dirty="0">
+                <a:latin typeface="IBM Plex Sans JP" panose="020B0503050203000203" pitchFamily="34" charset="-128"/>
+                <a:ea typeface="IBM Plex Sans JP" panose="020B0503050203000203" pitchFamily="34" charset="-128"/>
+              </a:endParaRPr>
+            </a:p>
+            <a:p>
+              <a:pPr algn="ctr"/>
+              <a:r>
+                <a:rPr lang="en-US" altLang="ja-JP" sz="1400" dirty="0">
+                  <a:latin typeface="IBM Plex Sans JP" panose="020B0503050203000203" pitchFamily="34" charset="-128"/>
+                  <a:ea typeface="IBM Plex Sans JP" panose="020B0503050203000203" pitchFamily="34" charset="-128"/>
+                </a:rPr>
+                <a:t>(</a:t>
+              </a:r>
+              <a:r>
+                <a:rPr lang="en-US" altLang="ja-JP" sz="1400" dirty="0" err="1">
+                  <a:latin typeface="IBM Plex Sans JP" panose="020B0503050203000203" pitchFamily="34" charset="-128"/>
+                  <a:ea typeface="IBM Plex Sans JP" panose="020B0503050203000203" pitchFamily="34" charset="-128"/>
+                </a:rPr>
+                <a:t>PersistentVolume</a:t>
+              </a:r>
+              <a:r>
+                <a:rPr lang="en-US" altLang="ja-JP" sz="1400" dirty="0">
+                  <a:latin typeface="IBM Plex Sans JP" panose="020B0503050203000203" pitchFamily="34" charset="-128"/>
+                  <a:ea typeface="IBM Plex Sans JP" panose="020B0503050203000203" pitchFamily="34" charset="-128"/>
+                </a:rPr>
+                <a:t>)</a:t>
+              </a:r>
+              <a:endParaRPr kumimoji="1" lang="ja-JP" altLang="en-US" sz="1400">
+                <a:latin typeface="IBM Plex Sans JP" panose="020B0503050203000203" pitchFamily="34" charset="-128"/>
+                <a:ea typeface="IBM Plex Sans JP" panose="020B0503050203000203" pitchFamily="34" charset="-128"/>
+              </a:endParaRPr>
+            </a:p>
+          </p:txBody>
+        </p:sp>
+        <p:sp>
+          <p:nvSpPr>
+            <p:cNvPr id="8" name="円柱 7">
+              <a:extLst>
+                <a:ext uri="{FF2B5EF4-FFF2-40B4-BE49-F238E27FC236}">
+                  <a16:creationId xmlns:a16="http://schemas.microsoft.com/office/drawing/2014/main" id="{17D1D7B9-6291-DC46-9C57-150308163394}"/>
+                </a:ext>
+              </a:extLst>
+            </p:cNvPr>
+            <p:cNvSpPr/>
+            <p:nvPr/>
+          </p:nvSpPr>
+          <p:spPr>
+            <a:xfrm>
+              <a:off x="908967" y="3602251"/>
+              <a:ext cx="1300161" cy="832043"/>
+            </a:xfrm>
+            <a:prstGeom prst="can">
+              <a:avLst/>
+            </a:prstGeom>
+          </p:spPr>
+          <p:style>
+            <a:lnRef idx="2">
+              <a:schemeClr val="accent2">
+                <a:shade val="50000"/>
+              </a:schemeClr>
+            </a:lnRef>
+            <a:fillRef idx="1">
+              <a:schemeClr val="accent2"/>
+            </a:fillRef>
+            <a:effectRef idx="0">
+              <a:schemeClr val="accent2"/>
+            </a:effectRef>
+            <a:fontRef idx="minor">
+              <a:schemeClr val="lt1"/>
+            </a:fontRef>
+          </p:style>
+          <p:txBody>
+            <a:bodyPr rtlCol="0" anchor="ctr"/>
+            <a:lstStyle/>
+            <a:p>
+              <a:pPr algn="ctr"/>
+              <a:r>
+                <a:rPr kumimoji="1" lang="en-US" altLang="ja-JP" sz="1400" dirty="0">
+                  <a:latin typeface="IBM Plex Sans JP" panose="020B0503050203000203" pitchFamily="34" charset="-128"/>
+                  <a:ea typeface="IBM Plex Sans JP" panose="020B0503050203000203" pitchFamily="34" charset="-128"/>
+                </a:rPr>
+                <a:t>Git</a:t>
+              </a:r>
+            </a:p>
+            <a:p>
+              <a:pPr algn="ctr"/>
+              <a:r>
+                <a:rPr kumimoji="1" lang="ja-JP" altLang="en-US" sz="1400">
+                  <a:latin typeface="IBM Plex Sans JP" panose="020B0503050203000203" pitchFamily="34" charset="-128"/>
+                  <a:ea typeface="IBM Plex Sans JP" panose="020B0503050203000203" pitchFamily="34" charset="-128"/>
+                </a:rPr>
+                <a:t>リポジトリ</a:t>
+              </a:r>
+            </a:p>
+          </p:txBody>
+        </p:sp>
+        <p:sp>
+          <p:nvSpPr>
+            <p:cNvPr id="9" name="円柱 8">
+              <a:extLst>
+                <a:ext uri="{FF2B5EF4-FFF2-40B4-BE49-F238E27FC236}">
+                  <a16:creationId xmlns:a16="http://schemas.microsoft.com/office/drawing/2014/main" id="{ED81F230-7D78-0D41-AA32-34371F6B30CF}"/>
+                </a:ext>
+              </a:extLst>
+            </p:cNvPr>
+            <p:cNvSpPr/>
+            <p:nvPr/>
+          </p:nvSpPr>
+          <p:spPr>
+            <a:xfrm>
+              <a:off x="6139819" y="2129883"/>
+              <a:ext cx="1103969" cy="695093"/>
+            </a:xfrm>
+            <a:prstGeom prst="can">
+              <a:avLst/>
+            </a:prstGeom>
+          </p:spPr>
+          <p:style>
+            <a:lnRef idx="2">
+              <a:schemeClr val="accent3">
+                <a:shade val="50000"/>
+              </a:schemeClr>
+            </a:lnRef>
+            <a:fillRef idx="1">
+              <a:schemeClr val="accent3"/>
+            </a:fillRef>
+            <a:effectRef idx="0">
+              <a:schemeClr val="accent3"/>
+            </a:effectRef>
+            <a:fontRef idx="minor">
+              <a:schemeClr val="lt1"/>
+            </a:fontRef>
+          </p:style>
+          <p:txBody>
+            <a:bodyPr rtlCol="0" anchor="ctr"/>
+            <a:lstStyle/>
+            <a:p>
+              <a:pPr algn="ctr"/>
+              <a:r>
+                <a:rPr kumimoji="1" lang="ja-JP" altLang="en-US" sz="1400">
+                  <a:latin typeface="IBM Plex Sans JP" panose="020B0503050203000203" pitchFamily="34" charset="-128"/>
+                  <a:ea typeface="IBM Plex Sans JP" panose="020B0503050203000203" pitchFamily="34" charset="-128"/>
+                </a:rPr>
+                <a:t>コンテナ</a:t>
+              </a:r>
+              <a:endParaRPr kumimoji="1" lang="en-US" altLang="ja-JP" sz="1400" dirty="0">
+                <a:latin typeface="IBM Plex Sans JP" panose="020B0503050203000203" pitchFamily="34" charset="-128"/>
+                <a:ea typeface="IBM Plex Sans JP" panose="020B0503050203000203" pitchFamily="34" charset="-128"/>
+              </a:endParaRPr>
+            </a:p>
+            <a:p>
+              <a:pPr algn="ctr"/>
+              <a:r>
+                <a:rPr kumimoji="1" lang="ja-JP" altLang="en-US" sz="1400">
+                  <a:latin typeface="IBM Plex Sans JP" panose="020B0503050203000203" pitchFamily="34" charset="-128"/>
+                  <a:ea typeface="IBM Plex Sans JP" panose="020B0503050203000203" pitchFamily="34" charset="-128"/>
+                </a:rPr>
+                <a:t>レジストリ</a:t>
+              </a:r>
+            </a:p>
+          </p:txBody>
+        </p:sp>
+        <p:sp>
+          <p:nvSpPr>
+            <p:cNvPr id="10" name="角丸四角形 9">
+              <a:extLst>
+                <a:ext uri="{FF2B5EF4-FFF2-40B4-BE49-F238E27FC236}">
+                  <a16:creationId xmlns:a16="http://schemas.microsoft.com/office/drawing/2014/main" id="{D7166219-3AF6-CA4C-A7C3-44F153266CD4}"/>
+                </a:ext>
+              </a:extLst>
+            </p:cNvPr>
+            <p:cNvSpPr/>
+            <p:nvPr/>
+          </p:nvSpPr>
+          <p:spPr>
+            <a:xfrm>
+              <a:off x="9291434" y="3475348"/>
+              <a:ext cx="2056933" cy="1085850"/>
+            </a:xfrm>
+            <a:prstGeom prst="roundRect">
+              <a:avLst/>
+            </a:prstGeom>
+          </p:spPr>
+          <p:style>
+            <a:lnRef idx="2">
+              <a:schemeClr val="accent2">
+                <a:shade val="50000"/>
+              </a:schemeClr>
+            </a:lnRef>
+            <a:fillRef idx="1">
+              <a:schemeClr val="accent2"/>
+            </a:fillRef>
+            <a:effectRef idx="0">
+              <a:schemeClr val="accent2"/>
+            </a:effectRef>
+            <a:fontRef idx="minor">
+              <a:schemeClr val="lt1"/>
+            </a:fontRef>
+          </p:style>
+          <p:txBody>
+            <a:bodyPr rtlCol="0" anchor="ctr"/>
+            <a:lstStyle/>
+            <a:p>
+              <a:pPr algn="ctr"/>
+              <a:r>
+                <a:rPr kumimoji="1" lang="ja-JP" altLang="en-US" sz="1600">
+                  <a:latin typeface="IBM Plex Sans JP" panose="020B0503050203000203" pitchFamily="34" charset="-128"/>
+                  <a:ea typeface="IBM Plex Sans JP" panose="020B0503050203000203" pitchFamily="34" charset="-128"/>
+                </a:rPr>
+                <a:t>アプリケーション</a:t>
+              </a:r>
+              <a:endParaRPr kumimoji="1" lang="en-US" altLang="ja-JP" sz="1600" dirty="0">
+                <a:latin typeface="IBM Plex Sans JP" panose="020B0503050203000203" pitchFamily="34" charset="-128"/>
+                <a:ea typeface="IBM Plex Sans JP" panose="020B0503050203000203" pitchFamily="34" charset="-128"/>
+              </a:endParaRPr>
+            </a:p>
+          </p:txBody>
+        </p:sp>
+        <p:sp>
+          <p:nvSpPr>
+            <p:cNvPr id="11" name="右矢印 10">
+              <a:extLst>
+                <a:ext uri="{FF2B5EF4-FFF2-40B4-BE49-F238E27FC236}">
+                  <a16:creationId xmlns:a16="http://schemas.microsoft.com/office/drawing/2014/main" id="{D3E8808D-5CAB-5E4A-805C-C2FAD3F5A1FD}"/>
+                </a:ext>
+              </a:extLst>
+            </p:cNvPr>
+            <p:cNvSpPr/>
+            <p:nvPr/>
+          </p:nvSpPr>
+          <p:spPr>
+            <a:xfrm>
+              <a:off x="2418680" y="3915472"/>
+              <a:ext cx="428625" cy="314325"/>
+            </a:xfrm>
+            <a:prstGeom prst="rightArrow">
+              <a:avLst/>
+            </a:prstGeom>
+          </p:spPr>
+          <p:style>
+            <a:lnRef idx="2">
+              <a:schemeClr val="dk1">
+                <a:shade val="50000"/>
+              </a:schemeClr>
+            </a:lnRef>
+            <a:fillRef idx="1">
+              <a:schemeClr val="dk1"/>
+            </a:fillRef>
+            <a:effectRef idx="0">
+              <a:schemeClr val="dk1"/>
+            </a:effectRef>
+            <a:fontRef idx="minor">
+              <a:schemeClr val="lt1"/>
+            </a:fontRef>
+          </p:style>
+          <p:txBody>
+            <a:bodyPr rtlCol="0" anchor="ctr"/>
+            <a:lstStyle/>
+            <a:p>
+              <a:pPr algn="ctr"/>
+              <a:endParaRPr kumimoji="1" lang="ja-JP" altLang="en-US"/>
+            </a:p>
+          </p:txBody>
+        </p:sp>
+        <p:sp>
+          <p:nvSpPr>
+            <p:cNvPr id="18" name="右矢印 17">
+              <a:extLst>
+                <a:ext uri="{FF2B5EF4-FFF2-40B4-BE49-F238E27FC236}">
+                  <a16:creationId xmlns:a16="http://schemas.microsoft.com/office/drawing/2014/main" id="{9295DA10-DF7A-7346-BE29-A6D267679495}"/>
+                </a:ext>
+              </a:extLst>
+            </p:cNvPr>
+            <p:cNvSpPr/>
+            <p:nvPr/>
+          </p:nvSpPr>
+          <p:spPr>
+            <a:xfrm rot="3846768">
+              <a:off x="7062993" y="3009045"/>
+              <a:ext cx="471227" cy="267699"/>
+            </a:xfrm>
+            <a:prstGeom prst="rightArrow">
+              <a:avLst/>
+            </a:prstGeom>
+          </p:spPr>
+          <p:style>
+            <a:lnRef idx="2">
+              <a:schemeClr val="dk1">
+                <a:shade val="50000"/>
+              </a:schemeClr>
+            </a:lnRef>
+            <a:fillRef idx="1">
+              <a:schemeClr val="dk1"/>
+            </a:fillRef>
+            <a:effectRef idx="0">
+              <a:schemeClr val="dk1"/>
+            </a:effectRef>
+            <a:fontRef idx="minor">
+              <a:schemeClr val="lt1"/>
+            </a:fontRef>
+          </p:style>
+          <p:txBody>
+            <a:bodyPr rtlCol="0" anchor="ctr"/>
+            <a:lstStyle/>
+            <a:p>
+              <a:pPr algn="ctr"/>
+              <a:endParaRPr kumimoji="1" lang="ja-JP" altLang="en-US"/>
+            </a:p>
+          </p:txBody>
+        </p:sp>
+        <p:sp>
+          <p:nvSpPr>
+            <p:cNvPr id="20" name="右矢印 19">
+              <a:extLst>
+                <a:ext uri="{FF2B5EF4-FFF2-40B4-BE49-F238E27FC236}">
+                  <a16:creationId xmlns:a16="http://schemas.microsoft.com/office/drawing/2014/main" id="{EB7A71D7-00C5-A04A-8FE1-61BBB7B2F32C}"/>
+                </a:ext>
+              </a:extLst>
+            </p:cNvPr>
+            <p:cNvSpPr/>
+            <p:nvPr/>
+          </p:nvSpPr>
+          <p:spPr>
+            <a:xfrm rot="18022237">
+              <a:off x="5855043" y="3040926"/>
+              <a:ext cx="471227" cy="267699"/>
+            </a:xfrm>
+            <a:prstGeom prst="rightArrow">
+              <a:avLst/>
+            </a:prstGeom>
+          </p:spPr>
+          <p:style>
+            <a:lnRef idx="2">
+              <a:schemeClr val="dk1">
+                <a:shade val="50000"/>
+              </a:schemeClr>
+            </a:lnRef>
+            <a:fillRef idx="1">
+              <a:schemeClr val="dk1"/>
+            </a:fillRef>
+            <a:effectRef idx="0">
+              <a:schemeClr val="dk1"/>
+            </a:effectRef>
+            <a:fontRef idx="minor">
+              <a:schemeClr val="lt1"/>
+            </a:fontRef>
+          </p:style>
+          <p:txBody>
+            <a:bodyPr rtlCol="0" anchor="ctr"/>
+            <a:lstStyle/>
+            <a:p>
+              <a:pPr algn="ctr"/>
+              <a:endParaRPr kumimoji="1" lang="ja-JP" altLang="en-US"/>
+            </a:p>
+          </p:txBody>
+        </p:sp>
+        <p:sp>
+          <p:nvSpPr>
+            <p:cNvPr id="21" name="右矢印 20">
+              <a:extLst>
+                <a:ext uri="{FF2B5EF4-FFF2-40B4-BE49-F238E27FC236}">
+                  <a16:creationId xmlns:a16="http://schemas.microsoft.com/office/drawing/2014/main" id="{1C2DDD36-7FA1-F641-B3D3-6D7A972D6B79}"/>
+                </a:ext>
+              </a:extLst>
+            </p:cNvPr>
+            <p:cNvSpPr/>
+            <p:nvPr/>
+          </p:nvSpPr>
+          <p:spPr>
+            <a:xfrm rot="2418200">
+              <a:off x="3893061" y="4925876"/>
+              <a:ext cx="818617" cy="176408"/>
+            </a:xfrm>
+            <a:prstGeom prst="rightArrow">
+              <a:avLst/>
+            </a:prstGeom>
+          </p:spPr>
+          <p:style>
+            <a:lnRef idx="2">
+              <a:schemeClr val="dk1">
+                <a:shade val="50000"/>
+              </a:schemeClr>
+            </a:lnRef>
+            <a:fillRef idx="1">
+              <a:schemeClr val="dk1"/>
+            </a:fillRef>
+            <a:effectRef idx="0">
+              <a:schemeClr val="dk1"/>
+            </a:effectRef>
+            <a:fontRef idx="minor">
+              <a:schemeClr val="lt1"/>
+            </a:fontRef>
+          </p:style>
+          <p:txBody>
+            <a:bodyPr rtlCol="0" anchor="ctr"/>
+            <a:lstStyle/>
+            <a:p>
+              <a:pPr algn="ctr"/>
+              <a:endParaRPr kumimoji="1" lang="ja-JP" altLang="en-US"/>
+            </a:p>
+          </p:txBody>
+        </p:sp>
+        <p:sp>
+          <p:nvSpPr>
+            <p:cNvPr id="22" name="右矢印 21">
+              <a:extLst>
+                <a:ext uri="{FF2B5EF4-FFF2-40B4-BE49-F238E27FC236}">
+                  <a16:creationId xmlns:a16="http://schemas.microsoft.com/office/drawing/2014/main" id="{4229509D-94C5-9D40-85D7-34573931F98C}"/>
+                </a:ext>
+              </a:extLst>
+            </p:cNvPr>
+            <p:cNvSpPr/>
+            <p:nvPr/>
+          </p:nvSpPr>
+          <p:spPr>
+            <a:xfrm rot="16200000">
+              <a:off x="5511693" y="4867211"/>
+              <a:ext cx="538947" cy="149767"/>
+            </a:xfrm>
+            <a:prstGeom prst="rightArrow">
+              <a:avLst/>
+            </a:prstGeom>
+          </p:spPr>
+          <p:style>
+            <a:lnRef idx="2">
+              <a:schemeClr val="dk1">
+                <a:shade val="50000"/>
+              </a:schemeClr>
+            </a:lnRef>
+            <a:fillRef idx="1">
+              <a:schemeClr val="dk1"/>
+            </a:fillRef>
+            <a:effectRef idx="0">
+              <a:schemeClr val="dk1"/>
+            </a:effectRef>
+            <a:fontRef idx="minor">
+              <a:schemeClr val="lt1"/>
+            </a:fontRef>
+          </p:style>
+          <p:txBody>
+            <a:bodyPr rtlCol="0" anchor="ctr"/>
+            <a:lstStyle/>
+            <a:p>
+              <a:pPr algn="ctr"/>
+              <a:endParaRPr kumimoji="1" lang="ja-JP" altLang="en-US"/>
+            </a:p>
+          </p:txBody>
+        </p:sp>
+        <p:sp>
+          <p:nvSpPr>
+            <p:cNvPr id="24" name="右矢印 23">
+              <a:extLst>
+                <a:ext uri="{FF2B5EF4-FFF2-40B4-BE49-F238E27FC236}">
+                  <a16:creationId xmlns:a16="http://schemas.microsoft.com/office/drawing/2014/main" id="{4B7F25BC-3DB1-9943-9BCA-F4705A1448EA}"/>
+                </a:ext>
+              </a:extLst>
+            </p:cNvPr>
+            <p:cNvSpPr/>
+            <p:nvPr/>
+          </p:nvSpPr>
+          <p:spPr>
+            <a:xfrm>
+              <a:off x="8599069" y="3915471"/>
+              <a:ext cx="428625" cy="314325"/>
+            </a:xfrm>
+            <a:prstGeom prst="rightArrow">
+              <a:avLst/>
+            </a:prstGeom>
+          </p:spPr>
+          <p:style>
+            <a:lnRef idx="2">
+              <a:schemeClr val="dk1">
+                <a:shade val="50000"/>
+              </a:schemeClr>
+            </a:lnRef>
+            <a:fillRef idx="1">
+              <a:schemeClr val="dk1"/>
+            </a:fillRef>
+            <a:effectRef idx="0">
+              <a:schemeClr val="dk1"/>
+            </a:effectRef>
+            <a:fontRef idx="minor">
+              <a:schemeClr val="lt1"/>
+            </a:fontRef>
+          </p:style>
+          <p:txBody>
+            <a:bodyPr rtlCol="0" anchor="ctr"/>
+            <a:lstStyle/>
+            <a:p>
+              <a:pPr algn="ctr"/>
+              <a:endParaRPr kumimoji="1" lang="ja-JP" altLang="en-US"/>
+            </a:p>
+          </p:txBody>
+        </p:sp>
+        <p:sp>
+          <p:nvSpPr>
+            <p:cNvPr id="26" name="テキスト ボックス 25">
+              <a:extLst>
+                <a:ext uri="{FF2B5EF4-FFF2-40B4-BE49-F238E27FC236}">
+                  <a16:creationId xmlns:a16="http://schemas.microsoft.com/office/drawing/2014/main" id="{0E972E1E-CC96-1146-8074-7A1BC0BE4294}"/>
+                </a:ext>
+              </a:extLst>
+            </p:cNvPr>
+            <p:cNvSpPr txBox="1"/>
+            <p:nvPr/>
+          </p:nvSpPr>
+          <p:spPr>
+            <a:xfrm>
+              <a:off x="908967" y="1081342"/>
+              <a:ext cx="1628775" cy="369332"/>
+            </a:xfrm>
+            <a:prstGeom prst="rect">
+              <a:avLst/>
+            </a:prstGeom>
+            <a:noFill/>
+          </p:spPr>
+          <p:txBody>
+            <a:bodyPr wrap="square" rtlCol="0">
+              <a:spAutoFit/>
+            </a:bodyPr>
+            <a:lstStyle/>
+            <a:p>
+              <a:r>
+                <a:rPr lang="ja-JP" altLang="en-US" b="1">
+                  <a:latin typeface="IBM Plex Sans JP" panose="020B0503050203000203" pitchFamily="34" charset="-128"/>
+                  <a:ea typeface="IBM Plex Sans JP" panose="020B0503050203000203" pitchFamily="34" charset="-128"/>
+                </a:rPr>
+                <a:t>ソースコード</a:t>
+              </a:r>
+              <a:endParaRPr kumimoji="1" lang="ja-JP" altLang="en-US" b="1">
+                <a:latin typeface="IBM Plex Sans JP" panose="020B0503050203000203" pitchFamily="34" charset="-128"/>
+                <a:ea typeface="IBM Plex Sans JP" panose="020B0503050203000203" pitchFamily="34" charset="-128"/>
+              </a:endParaRPr>
+            </a:p>
+          </p:txBody>
+        </p:sp>
+        <p:sp>
+          <p:nvSpPr>
+            <p:cNvPr id="27" name="右矢印 26">
+              <a:extLst>
+                <a:ext uri="{FF2B5EF4-FFF2-40B4-BE49-F238E27FC236}">
+                  <a16:creationId xmlns:a16="http://schemas.microsoft.com/office/drawing/2014/main" id="{AD605D63-307B-F24F-976E-7CA4ED24C380}"/>
+                </a:ext>
+              </a:extLst>
+            </p:cNvPr>
+            <p:cNvSpPr/>
+            <p:nvPr/>
+          </p:nvSpPr>
+          <p:spPr>
+            <a:xfrm>
+              <a:off x="2537742" y="1140857"/>
+              <a:ext cx="3057585" cy="200025"/>
+            </a:xfrm>
+            <a:prstGeom prst="rightArrow">
+              <a:avLst/>
+            </a:prstGeom>
+          </p:spPr>
+          <p:style>
+            <a:lnRef idx="2">
+              <a:schemeClr val="accent3">
+                <a:shade val="50000"/>
+              </a:schemeClr>
+            </a:lnRef>
+            <a:fillRef idx="1">
+              <a:schemeClr val="accent3"/>
+            </a:fillRef>
+            <a:effectRef idx="0">
+              <a:schemeClr val="accent3"/>
+            </a:effectRef>
+            <a:fontRef idx="minor">
+              <a:schemeClr val="lt1"/>
+            </a:fontRef>
+          </p:style>
+          <p:txBody>
+            <a:bodyPr rtlCol="0" anchor="ctr"/>
+            <a:lstStyle/>
+            <a:p>
+              <a:pPr algn="ctr"/>
+              <a:endParaRPr kumimoji="1" lang="ja-JP" altLang="en-US"/>
+            </a:p>
+          </p:txBody>
+        </p:sp>
+        <p:sp>
+          <p:nvSpPr>
+            <p:cNvPr id="28" name="テキスト ボックス 27">
+              <a:extLst>
+                <a:ext uri="{FF2B5EF4-FFF2-40B4-BE49-F238E27FC236}">
+                  <a16:creationId xmlns:a16="http://schemas.microsoft.com/office/drawing/2014/main" id="{05D29C75-B790-9747-8C74-E64F37D442D0}"/>
+                </a:ext>
+              </a:extLst>
+            </p:cNvPr>
+            <p:cNvSpPr txBox="1"/>
+            <p:nvPr/>
+          </p:nvSpPr>
+          <p:spPr>
+            <a:xfrm>
+              <a:off x="5656368" y="1097773"/>
+              <a:ext cx="2217119" cy="369332"/>
+            </a:xfrm>
+            <a:prstGeom prst="rect">
+              <a:avLst/>
+            </a:prstGeom>
+            <a:noFill/>
+          </p:spPr>
+          <p:txBody>
+            <a:bodyPr wrap="square" rtlCol="0">
+              <a:spAutoFit/>
+            </a:bodyPr>
+            <a:lstStyle/>
+            <a:p>
+              <a:r>
+                <a:rPr lang="ja-JP" altLang="en-US" b="1">
+                  <a:latin typeface="IBM Plex Sans JP" panose="020B0503050203000203" pitchFamily="34" charset="-128"/>
+                  <a:ea typeface="IBM Plex Sans JP" panose="020B0503050203000203" pitchFamily="34" charset="-128"/>
+                </a:rPr>
+                <a:t>コンテナイメージ</a:t>
+              </a:r>
+              <a:endParaRPr kumimoji="1" lang="ja-JP" altLang="en-US" b="1">
+                <a:latin typeface="IBM Plex Sans JP" panose="020B0503050203000203" pitchFamily="34" charset="-128"/>
+                <a:ea typeface="IBM Plex Sans JP" panose="020B0503050203000203" pitchFamily="34" charset="-128"/>
+              </a:endParaRPr>
+            </a:p>
+          </p:txBody>
+        </p:sp>
+        <p:sp>
+          <p:nvSpPr>
+            <p:cNvPr id="29" name="右矢印 28">
+              <a:extLst>
+                <a:ext uri="{FF2B5EF4-FFF2-40B4-BE49-F238E27FC236}">
+                  <a16:creationId xmlns:a16="http://schemas.microsoft.com/office/drawing/2014/main" id="{B9AF324C-BB6E-3648-A679-B46539221D11}"/>
+                </a:ext>
+              </a:extLst>
+            </p:cNvPr>
+            <p:cNvSpPr/>
+            <p:nvPr/>
+          </p:nvSpPr>
+          <p:spPr>
+            <a:xfrm>
+              <a:off x="7802046" y="1140856"/>
+              <a:ext cx="1374127" cy="200026"/>
+            </a:xfrm>
+            <a:prstGeom prst="rightArrow">
+              <a:avLst/>
+            </a:prstGeom>
+          </p:spPr>
+          <p:style>
+            <a:lnRef idx="2">
+              <a:schemeClr val="accent3">
+                <a:shade val="50000"/>
+              </a:schemeClr>
+            </a:lnRef>
+            <a:fillRef idx="1">
+              <a:schemeClr val="accent3"/>
+            </a:fillRef>
+            <a:effectRef idx="0">
+              <a:schemeClr val="accent3"/>
+            </a:effectRef>
+            <a:fontRef idx="minor">
+              <a:schemeClr val="lt1"/>
+            </a:fontRef>
+          </p:style>
+          <p:txBody>
+            <a:bodyPr rtlCol="0" anchor="ctr"/>
+            <a:lstStyle/>
+            <a:p>
+              <a:pPr algn="ctr"/>
+              <a:endParaRPr kumimoji="1" lang="ja-JP" altLang="en-US"/>
+            </a:p>
+          </p:txBody>
+        </p:sp>
+        <p:sp>
+          <p:nvSpPr>
+            <p:cNvPr id="30" name="テキスト ボックス 29">
+              <a:extLst>
+                <a:ext uri="{FF2B5EF4-FFF2-40B4-BE49-F238E27FC236}">
+                  <a16:creationId xmlns:a16="http://schemas.microsoft.com/office/drawing/2014/main" id="{23E198AA-9ADB-1348-BBC9-C10D2E250BE2}"/>
+                </a:ext>
+              </a:extLst>
+            </p:cNvPr>
+            <p:cNvSpPr txBox="1"/>
+            <p:nvPr/>
+          </p:nvSpPr>
+          <p:spPr>
+            <a:xfrm>
+              <a:off x="9308655" y="1085850"/>
+              <a:ext cx="2217119" cy="369332"/>
+            </a:xfrm>
+            <a:prstGeom prst="rect">
+              <a:avLst/>
+            </a:prstGeom>
+            <a:noFill/>
+          </p:spPr>
+          <p:txBody>
+            <a:bodyPr wrap="square" rtlCol="0">
+              <a:spAutoFit/>
+            </a:bodyPr>
+            <a:lstStyle/>
+            <a:p>
+              <a:r>
+                <a:rPr lang="ja-JP" altLang="en-US" b="1">
+                  <a:latin typeface="IBM Plex Sans JP" panose="020B0503050203000203" pitchFamily="34" charset="-128"/>
+                  <a:ea typeface="IBM Plex Sans JP" panose="020B0503050203000203" pitchFamily="34" charset="-128"/>
+                </a:rPr>
+                <a:t>アプリケーション</a:t>
+              </a:r>
+              <a:endParaRPr kumimoji="1" lang="ja-JP" altLang="en-US" b="1">
+                <a:latin typeface="IBM Plex Sans JP" panose="020B0503050203000203" pitchFamily="34" charset="-128"/>
+                <a:ea typeface="IBM Plex Sans JP" panose="020B0503050203000203" pitchFamily="34" charset="-128"/>
+              </a:endParaRPr>
+            </a:p>
+          </p:txBody>
+        </p:sp>
+        <p:sp>
+          <p:nvSpPr>
+            <p:cNvPr id="32" name="テキスト ボックス 31">
+              <a:extLst>
+                <a:ext uri="{FF2B5EF4-FFF2-40B4-BE49-F238E27FC236}">
+                  <a16:creationId xmlns:a16="http://schemas.microsoft.com/office/drawing/2014/main" id="{BA2914BD-1557-6941-9155-9BB8D793DE05}"/>
+                </a:ext>
+              </a:extLst>
+            </p:cNvPr>
+            <p:cNvSpPr txBox="1"/>
+            <p:nvPr/>
+          </p:nvSpPr>
+          <p:spPr>
+            <a:xfrm>
+              <a:off x="3917916" y="2774911"/>
+              <a:ext cx="1628775" cy="369332"/>
+            </a:xfrm>
+            <a:prstGeom prst="rect">
+              <a:avLst/>
+            </a:prstGeom>
+            <a:noFill/>
+          </p:spPr>
+          <p:txBody>
+            <a:bodyPr wrap="square" rtlCol="0">
+              <a:spAutoFit/>
+            </a:bodyPr>
+            <a:lstStyle/>
+            <a:p>
+              <a:r>
+                <a:rPr lang="ja-JP" altLang="en-US">
+                  <a:solidFill>
+                    <a:srgbClr val="FF0000"/>
+                  </a:solidFill>
+                  <a:latin typeface="IBM Plex Sans JP" panose="020B0503050203000203" pitchFamily="34" charset="-128"/>
+                  <a:ea typeface="IBM Plex Sans JP" panose="020B0503050203000203" pitchFamily="34" charset="-128"/>
+                </a:rPr>
+                <a:t>パイプライン</a:t>
+              </a:r>
+              <a:endParaRPr kumimoji="1" lang="ja-JP" altLang="en-US">
+                <a:solidFill>
+                  <a:srgbClr val="FF0000"/>
+                </a:solidFill>
+                <a:latin typeface="IBM Plex Sans JP" panose="020B0503050203000203" pitchFamily="34" charset="-128"/>
+                <a:ea typeface="IBM Plex Sans JP" panose="020B0503050203000203" pitchFamily="34" charset="-128"/>
+              </a:endParaRPr>
+            </a:p>
+          </p:txBody>
+        </p:sp>
+        <p:sp>
+          <p:nvSpPr>
+            <p:cNvPr id="36" name="円/楕円 35">
+              <a:extLst>
+                <a:ext uri="{FF2B5EF4-FFF2-40B4-BE49-F238E27FC236}">
+                  <a16:creationId xmlns:a16="http://schemas.microsoft.com/office/drawing/2014/main" id="{498D5454-81F8-C94B-BF32-A6A2811F0CBF}"/>
+                </a:ext>
+              </a:extLst>
+            </p:cNvPr>
+            <p:cNvSpPr/>
+            <p:nvPr/>
+          </p:nvSpPr>
+          <p:spPr>
+            <a:xfrm>
+              <a:off x="1747750" y="2075157"/>
+              <a:ext cx="2027567" cy="722959"/>
+            </a:xfrm>
+            <a:prstGeom prst="ellipse">
+              <a:avLst/>
+            </a:prstGeom>
+            <a:solidFill>
+              <a:srgbClr val="FFFF00"/>
+            </a:solidFill>
+            <a:ln w="28575">
+              <a:solidFill>
+                <a:srgbClr val="FFC000"/>
+              </a:solidFill>
+              <a:prstDash val="solid"/>
+            </a:ln>
+          </p:spPr>
+          <p:style>
+            <a:lnRef idx="2">
+              <a:schemeClr val="accent1">
+                <a:shade val="50000"/>
+              </a:schemeClr>
+            </a:lnRef>
+            <a:fillRef idx="1">
+              <a:schemeClr val="accent1"/>
+            </a:fillRef>
+            <a:effectRef idx="0">
+              <a:schemeClr val="accent1"/>
+            </a:effectRef>
+            <a:fontRef idx="minor">
+              <a:schemeClr val="lt1"/>
+            </a:fontRef>
+          </p:style>
+          <p:txBody>
+            <a:bodyPr rtlCol="0" anchor="ctr"/>
+            <a:lstStyle/>
+            <a:p>
+              <a:pPr algn="ctr"/>
+              <a:r>
+                <a:rPr kumimoji="1" lang="en-US" altLang="ja-JP" sz="1400" dirty="0" err="1">
+                  <a:solidFill>
+                    <a:srgbClr val="FF0000"/>
+                  </a:solidFill>
+                  <a:latin typeface="IBM Plex Sans JP" panose="020B0503050203000203" pitchFamily="34" charset="-128"/>
+                  <a:ea typeface="IBM Plex Sans JP" panose="020B0503050203000203" pitchFamily="34" charset="-128"/>
+                </a:rPr>
+                <a:t>GitURL</a:t>
+              </a:r>
+              <a:r>
+                <a:rPr lang="ja-JP" altLang="en-US" sz="1400">
+                  <a:solidFill>
+                    <a:srgbClr val="FF0000"/>
+                  </a:solidFill>
+                  <a:latin typeface="IBM Plex Sans JP" panose="020B0503050203000203" pitchFamily="34" charset="-128"/>
+                  <a:ea typeface="IBM Plex Sans JP" panose="020B0503050203000203" pitchFamily="34" charset="-128"/>
+                </a:rPr>
+                <a:t>などの</a:t>
+              </a:r>
+              <a:endParaRPr lang="en-US" altLang="ja-JP" sz="1400" dirty="0">
+                <a:solidFill>
+                  <a:srgbClr val="FF0000"/>
+                </a:solidFill>
+                <a:latin typeface="IBM Plex Sans JP" panose="020B0503050203000203" pitchFamily="34" charset="-128"/>
+                <a:ea typeface="IBM Plex Sans JP" panose="020B0503050203000203" pitchFamily="34" charset="-128"/>
+              </a:endParaRPr>
+            </a:p>
+            <a:p>
+              <a:pPr algn="ctr"/>
+              <a:r>
+                <a:rPr lang="ja-JP" altLang="en-US" sz="1400">
+                  <a:solidFill>
+                    <a:srgbClr val="FF0000"/>
+                  </a:solidFill>
+                  <a:latin typeface="IBM Plex Sans JP" panose="020B0503050203000203" pitchFamily="34" charset="-128"/>
+                  <a:ea typeface="IBM Plex Sans JP" panose="020B0503050203000203" pitchFamily="34" charset="-128"/>
+                </a:rPr>
+                <a:t>各種パラメータ</a:t>
+              </a:r>
+              <a:endParaRPr kumimoji="1" lang="ja-JP" altLang="en-US" sz="1400">
+                <a:solidFill>
+                  <a:srgbClr val="FF0000"/>
+                </a:solidFill>
+                <a:latin typeface="IBM Plex Sans JP" panose="020B0503050203000203" pitchFamily="34" charset="-128"/>
+                <a:ea typeface="IBM Plex Sans JP" panose="020B0503050203000203" pitchFamily="34" charset="-128"/>
+              </a:endParaRPr>
+            </a:p>
+          </p:txBody>
+        </p:sp>
+        <p:sp>
+          <p:nvSpPr>
+            <p:cNvPr id="37" name="テキスト ボックス 36">
+              <a:extLst>
+                <a:ext uri="{FF2B5EF4-FFF2-40B4-BE49-F238E27FC236}">
+                  <a16:creationId xmlns:a16="http://schemas.microsoft.com/office/drawing/2014/main" id="{3B73DACA-BF7D-F04F-9ADF-49BC693B2FD1}"/>
+                </a:ext>
+              </a:extLst>
+            </p:cNvPr>
+            <p:cNvSpPr txBox="1"/>
+            <p:nvPr/>
+          </p:nvSpPr>
+          <p:spPr>
+            <a:xfrm rot="20826169">
+              <a:off x="1180428" y="1827584"/>
+              <a:ext cx="2057400" cy="369332"/>
+            </a:xfrm>
+            <a:prstGeom prst="rect">
+              <a:avLst/>
+            </a:prstGeom>
+            <a:noFill/>
+          </p:spPr>
+          <p:txBody>
+            <a:bodyPr wrap="square" rtlCol="0">
+              <a:spAutoFit/>
+            </a:bodyPr>
+            <a:lstStyle/>
+            <a:p>
+              <a:r>
+                <a:rPr lang="ja-JP" altLang="en-US">
+                  <a:solidFill>
+                    <a:srgbClr val="FF0000"/>
+                  </a:solidFill>
+                  <a:latin typeface="IBM Plex Sans JP" panose="020B0503050203000203" pitchFamily="34" charset="-128"/>
+                  <a:ea typeface="IBM Plex Sans JP" panose="020B0503050203000203" pitchFamily="34" charset="-128"/>
+                </a:rPr>
+                <a:t>パイプライン実行</a:t>
+              </a:r>
+              <a:endParaRPr kumimoji="1" lang="ja-JP" altLang="en-US">
+                <a:solidFill>
+                  <a:srgbClr val="FF0000"/>
+                </a:solidFill>
+                <a:latin typeface="IBM Plex Sans JP" panose="020B0503050203000203" pitchFamily="34" charset="-128"/>
+                <a:ea typeface="IBM Plex Sans JP" panose="020B0503050203000203" pitchFamily="34" charset="-128"/>
+              </a:endParaRPr>
+            </a:p>
+          </p:txBody>
+        </p:sp>
+        <p:sp>
+          <p:nvSpPr>
+            <p:cNvPr id="38" name="右矢印 37">
+              <a:extLst>
+                <a:ext uri="{FF2B5EF4-FFF2-40B4-BE49-F238E27FC236}">
+                  <a16:creationId xmlns:a16="http://schemas.microsoft.com/office/drawing/2014/main" id="{3E82207A-6219-0A43-B599-2A8DC56FE4DA}"/>
+                </a:ext>
+              </a:extLst>
+            </p:cNvPr>
+            <p:cNvSpPr/>
+            <p:nvPr/>
+          </p:nvSpPr>
+          <p:spPr>
+            <a:xfrm rot="3497827">
+              <a:off x="2792446" y="2783008"/>
+              <a:ext cx="428625" cy="314325"/>
+            </a:xfrm>
+            <a:prstGeom prst="rightArrow">
+              <a:avLst/>
+            </a:prstGeom>
+            <a:solidFill>
+              <a:srgbClr val="FFFF00"/>
+            </a:solidFill>
+            <a:ln w="28575">
+              <a:solidFill>
+                <a:srgbClr val="FFC000"/>
+              </a:solidFill>
+            </a:ln>
+          </p:spPr>
+          <p:style>
+            <a:lnRef idx="2">
+              <a:schemeClr val="dk1">
+                <a:shade val="50000"/>
+              </a:schemeClr>
+            </a:lnRef>
+            <a:fillRef idx="1">
+              <a:schemeClr val="dk1"/>
+            </a:fillRef>
+            <a:effectRef idx="0">
+              <a:schemeClr val="dk1"/>
+            </a:effectRef>
+            <a:fontRef idx="minor">
+              <a:schemeClr val="lt1"/>
+            </a:fontRef>
+          </p:style>
+          <p:txBody>
+            <a:bodyPr rtlCol="0" anchor="ctr"/>
+            <a:lstStyle/>
+            <a:p>
+              <a:pPr algn="ctr"/>
+              <a:endParaRPr kumimoji="1" lang="ja-JP" altLang="en-US"/>
+            </a:p>
+          </p:txBody>
+        </p:sp>
+      </p:grpSp>
+    </p:spTree>
+    <p:extLst>
+      <p:ext uri="{BB962C8B-B14F-4D97-AF65-F5344CB8AC3E}">
+        <p14:creationId xmlns:p14="http://schemas.microsoft.com/office/powerpoint/2010/main" val="2893887932"/>
+      </p:ext>
+    </p:extLst>
+  </p:cSld>
+  <p:clrMapOvr>
+    <a:masterClrMapping/>
+  </p:clrMapOvr>
+</p:sld>
+</file>
+
+<file path=ppt/slides/slide15.xml><?xml version="1.0" encoding="utf-8"?>
+<p:sld xmlns:a="http://schemas.openxmlformats.org/drawingml/2006/main" xmlns:r="http://schemas.openxmlformats.org/officeDocument/2006/relationships" xmlns:p="http://schemas.openxmlformats.org/presentationml/2006/main">
+  <p:cSld>
+    <p:spTree>
+      <p:nvGrpSpPr>
+        <p:cNvPr id="1" name=""/>
+        <p:cNvGrpSpPr/>
+        <p:nvPr/>
+      </p:nvGrpSpPr>
+      <p:grpSpPr>
+        <a:xfrm>
+          <a:off x="0" y="0"/>
+          <a:ext cx="0" cy="0"/>
+          <a:chOff x="0" y="0"/>
+          <a:chExt cx="0" cy="0"/>
+        </a:xfrm>
+      </p:grpSpPr>
+      <p:grpSp>
+        <p:nvGrpSpPr>
+          <p:cNvPr id="11" name="グループ化 10">
+            <a:extLst>
+              <a:ext uri="{FF2B5EF4-FFF2-40B4-BE49-F238E27FC236}">
+                <a16:creationId xmlns:a16="http://schemas.microsoft.com/office/drawing/2014/main" id="{57338904-1F94-BC43-A8B8-384F2FE255E9}"/>
+              </a:ext>
+            </a:extLst>
+          </p:cNvPr>
+          <p:cNvGrpSpPr/>
+          <p:nvPr/>
+        </p:nvGrpSpPr>
+        <p:grpSpPr>
+          <a:xfrm>
+            <a:off x="2457450" y="508000"/>
+            <a:ext cx="7277100" cy="5842000"/>
+            <a:chOff x="2457450" y="508000"/>
+            <a:chExt cx="7277100" cy="5842000"/>
+          </a:xfrm>
+        </p:grpSpPr>
+        <p:grpSp>
+          <p:nvGrpSpPr>
+            <p:cNvPr id="9" name="グループ化 8">
+              <a:extLst>
+                <a:ext uri="{FF2B5EF4-FFF2-40B4-BE49-F238E27FC236}">
+                  <a16:creationId xmlns:a16="http://schemas.microsoft.com/office/drawing/2014/main" id="{19D35FEA-9643-3143-A7FF-D071412BDF24}"/>
+                </a:ext>
+              </a:extLst>
+            </p:cNvPr>
+            <p:cNvGrpSpPr/>
+            <p:nvPr/>
+          </p:nvGrpSpPr>
+          <p:grpSpPr>
+            <a:xfrm>
+              <a:off x="2457450" y="508000"/>
+              <a:ext cx="7277100" cy="5842000"/>
+              <a:chOff x="2457450" y="508000"/>
+              <a:chExt cx="7277100" cy="5842000"/>
+            </a:xfrm>
+          </p:grpSpPr>
+          <p:pic>
+            <p:nvPicPr>
+              <p:cNvPr id="4" name="図 3">
+                <a:extLst>
+                  <a:ext uri="{FF2B5EF4-FFF2-40B4-BE49-F238E27FC236}">
+                    <a16:creationId xmlns:a16="http://schemas.microsoft.com/office/drawing/2014/main" id="{4980F2E8-C9E6-9842-BC39-80D03D5B6C06}"/>
+                  </a:ext>
+                </a:extLst>
+              </p:cNvPr>
+              <p:cNvPicPr>
+                <a:picLocks noChangeAspect="1"/>
+              </p:cNvPicPr>
+              <p:nvPr/>
+            </p:nvPicPr>
+            <p:blipFill>
+              <a:blip r:embed="rId2"/>
+              <a:stretch>
+                <a:fillRect/>
+              </a:stretch>
+            </p:blipFill>
+            <p:spPr>
+              <a:xfrm>
+                <a:off x="2457450" y="508000"/>
+                <a:ext cx="7277100" cy="5842000"/>
+              </a:xfrm>
+              <a:prstGeom prst="rect">
+                <a:avLst/>
+              </a:prstGeom>
+            </p:spPr>
+          </p:pic>
+          <p:sp>
+            <p:nvSpPr>
+              <p:cNvPr id="5" name="正方形/長方形 4">
+                <a:extLst>
+                  <a:ext uri="{FF2B5EF4-FFF2-40B4-BE49-F238E27FC236}">
+                    <a16:creationId xmlns:a16="http://schemas.microsoft.com/office/drawing/2014/main" id="{A4E572D6-F5F7-0448-84AA-F05BDA92CFF3}"/>
+                  </a:ext>
+                </a:extLst>
+              </p:cNvPr>
+              <p:cNvSpPr/>
+              <p:nvPr/>
+            </p:nvSpPr>
+            <p:spPr>
+              <a:xfrm>
+                <a:off x="4471988" y="1000125"/>
+                <a:ext cx="1143000" cy="214313"/>
+              </a:xfrm>
+              <a:prstGeom prst="rect">
+                <a:avLst/>
+              </a:prstGeom>
+              <a:solidFill>
+                <a:schemeClr val="bg1"/>
+              </a:solidFill>
+              <a:ln>
+                <a:noFill/>
+              </a:ln>
+            </p:spPr>
+            <p:style>
+              <a:lnRef idx="2">
+                <a:schemeClr val="accent1">
+                  <a:shade val="50000"/>
+                </a:schemeClr>
+              </a:lnRef>
+              <a:fillRef idx="1">
+                <a:schemeClr val="accent1"/>
+              </a:fillRef>
+              <a:effectRef idx="0">
+                <a:schemeClr val="accent1"/>
+              </a:effectRef>
+              <a:fontRef idx="minor">
+                <a:schemeClr val="lt1"/>
+              </a:fontRef>
+            </p:style>
+            <p:txBody>
+              <a:bodyPr rtlCol="0" anchor="ctr"/>
+              <a:lstStyle/>
+              <a:p>
+                <a:pPr algn="ctr"/>
+                <a:endParaRPr kumimoji="1" lang="ja-JP" altLang="en-US"/>
+              </a:p>
+            </p:txBody>
+          </p:sp>
+          <p:sp>
+            <p:nvSpPr>
+              <p:cNvPr id="6" name="正方形/長方形 5">
+                <a:extLst>
+                  <a:ext uri="{FF2B5EF4-FFF2-40B4-BE49-F238E27FC236}">
+                    <a16:creationId xmlns:a16="http://schemas.microsoft.com/office/drawing/2014/main" id="{6ECCDA48-3FAC-564A-8D4D-23B790E894A4}"/>
+                  </a:ext>
+                </a:extLst>
+              </p:cNvPr>
+              <p:cNvSpPr/>
+              <p:nvPr/>
+            </p:nvSpPr>
+            <p:spPr>
+              <a:xfrm>
+                <a:off x="8124825" y="609600"/>
+                <a:ext cx="1504950" cy="247650"/>
+              </a:xfrm>
+              <a:prstGeom prst="rect">
+                <a:avLst/>
+              </a:prstGeom>
+              <a:solidFill>
+                <a:schemeClr val="tx1"/>
+              </a:solidFill>
+              <a:ln>
+                <a:noFill/>
+              </a:ln>
+            </p:spPr>
+            <p:style>
+              <a:lnRef idx="2">
+                <a:schemeClr val="accent1">
+                  <a:shade val="50000"/>
+                </a:schemeClr>
+              </a:lnRef>
+              <a:fillRef idx="1">
+                <a:schemeClr val="accent1"/>
+              </a:fillRef>
+              <a:effectRef idx="0">
+                <a:schemeClr val="accent1"/>
+              </a:effectRef>
+              <a:fontRef idx="minor">
+                <a:schemeClr val="lt1"/>
+              </a:fontRef>
+            </p:style>
+            <p:txBody>
+              <a:bodyPr rtlCol="0" anchor="ctr"/>
+              <a:lstStyle/>
+              <a:p>
+                <a:pPr algn="ctr"/>
+                <a:endParaRPr kumimoji="1" lang="ja-JP" altLang="en-US"/>
+              </a:p>
+            </p:txBody>
+          </p:sp>
+          <p:sp>
+            <p:nvSpPr>
+              <p:cNvPr id="7" name="正方形/長方形 6">
+                <a:extLst>
+                  <a:ext uri="{FF2B5EF4-FFF2-40B4-BE49-F238E27FC236}">
+                    <a16:creationId xmlns:a16="http://schemas.microsoft.com/office/drawing/2014/main" id="{91E98F55-3C6B-A34A-B316-DB7DBDC73013}"/>
+                  </a:ext>
+                </a:extLst>
+              </p:cNvPr>
+              <p:cNvSpPr/>
+              <p:nvPr/>
+            </p:nvSpPr>
+            <p:spPr>
+              <a:xfrm>
+                <a:off x="6454465" y="5986462"/>
+                <a:ext cx="3175310" cy="363537"/>
+              </a:xfrm>
+              <a:prstGeom prst="rect">
+                <a:avLst/>
+              </a:prstGeom>
+              <a:noFill/>
+              <a:ln w="28575">
+                <a:solidFill>
+                  <a:srgbClr val="FF40FF"/>
+                </a:solidFill>
+              </a:ln>
+            </p:spPr>
+            <p:style>
+              <a:lnRef idx="2">
+                <a:schemeClr val="accent1">
+                  <a:shade val="50000"/>
+                </a:schemeClr>
+              </a:lnRef>
+              <a:fillRef idx="1">
+                <a:schemeClr val="accent1"/>
+              </a:fillRef>
+              <a:effectRef idx="0">
+                <a:schemeClr val="accent1"/>
+              </a:effectRef>
+              <a:fontRef idx="minor">
+                <a:schemeClr val="lt1"/>
+              </a:fontRef>
+            </p:style>
+            <p:txBody>
+              <a:bodyPr rtlCol="0" anchor="ctr"/>
+              <a:lstStyle/>
+              <a:p>
+                <a:pPr algn="ctr"/>
+                <a:endParaRPr kumimoji="1" lang="ja-JP" altLang="en-US"/>
+              </a:p>
+            </p:txBody>
+          </p:sp>
+          <p:sp>
+            <p:nvSpPr>
+              <p:cNvPr id="8" name="正方形/長方形 7">
+                <a:extLst>
+                  <a:ext uri="{FF2B5EF4-FFF2-40B4-BE49-F238E27FC236}">
+                    <a16:creationId xmlns:a16="http://schemas.microsoft.com/office/drawing/2014/main" id="{C353CC42-2A70-9E4D-808C-787D3A2DB8C5}"/>
+                  </a:ext>
+                </a:extLst>
+              </p:cNvPr>
+              <p:cNvSpPr/>
+              <p:nvPr/>
+            </p:nvSpPr>
+            <p:spPr>
+              <a:xfrm>
+                <a:off x="2457450" y="1706563"/>
+                <a:ext cx="1185863" cy="250825"/>
+              </a:xfrm>
+              <a:prstGeom prst="rect">
+                <a:avLst/>
+              </a:prstGeom>
+              <a:noFill/>
+              <a:ln w="28575">
+                <a:solidFill>
+                  <a:srgbClr val="FF40FF"/>
+                </a:solidFill>
+              </a:ln>
+            </p:spPr>
+            <p:style>
+              <a:lnRef idx="2">
+                <a:schemeClr val="accent1">
+                  <a:shade val="50000"/>
+                </a:schemeClr>
+              </a:lnRef>
+              <a:fillRef idx="1">
+                <a:schemeClr val="accent1"/>
+              </a:fillRef>
+              <a:effectRef idx="0">
+                <a:schemeClr val="accent1"/>
+              </a:effectRef>
+              <a:fontRef idx="minor">
+                <a:schemeClr val="lt1"/>
+              </a:fontRef>
+            </p:style>
+            <p:txBody>
+              <a:bodyPr rtlCol="0" anchor="ctr"/>
+              <a:lstStyle/>
+              <a:p>
+                <a:pPr algn="ctr"/>
+                <a:endParaRPr kumimoji="1" lang="ja-JP" altLang="en-US"/>
+              </a:p>
+            </p:txBody>
+          </p:sp>
+        </p:grpSp>
+        <p:sp>
+          <p:nvSpPr>
+            <p:cNvPr id="10" name="正方形/長方形 9">
+              <a:extLst>
+                <a:ext uri="{FF2B5EF4-FFF2-40B4-BE49-F238E27FC236}">
+                  <a16:creationId xmlns:a16="http://schemas.microsoft.com/office/drawing/2014/main" id="{99F6B9BF-DEE1-9742-885D-A3C302F852A1}"/>
+                </a:ext>
+              </a:extLst>
+            </p:cNvPr>
+            <p:cNvSpPr/>
+            <p:nvPr/>
+          </p:nvSpPr>
+          <p:spPr>
+            <a:xfrm>
+              <a:off x="4724400" y="3159125"/>
+              <a:ext cx="1371600" cy="1670050"/>
+            </a:xfrm>
+            <a:prstGeom prst="rect">
+              <a:avLst/>
+            </a:prstGeom>
+            <a:noFill/>
+            <a:ln w="28575">
+              <a:solidFill>
+                <a:srgbClr val="FF40FF"/>
+              </a:solidFill>
+            </a:ln>
+          </p:spPr>
+          <p:style>
+            <a:lnRef idx="2">
+              <a:schemeClr val="accent1">
+                <a:shade val="50000"/>
+              </a:schemeClr>
+            </a:lnRef>
+            <a:fillRef idx="1">
+              <a:schemeClr val="accent1"/>
+            </a:fillRef>
+            <a:effectRef idx="0">
+              <a:schemeClr val="accent1"/>
+            </a:effectRef>
+            <a:fontRef idx="minor">
+              <a:schemeClr val="lt1"/>
+            </a:fontRef>
+          </p:style>
+          <p:txBody>
+            <a:bodyPr rtlCol="0" anchor="ctr"/>
+            <a:lstStyle/>
+            <a:p>
+              <a:pPr algn="ctr"/>
+              <a:endParaRPr kumimoji="1" lang="ja-JP" altLang="en-US"/>
+            </a:p>
+          </p:txBody>
+        </p:sp>
+      </p:grpSp>
+    </p:spTree>
+    <p:extLst>
+      <p:ext uri="{BB962C8B-B14F-4D97-AF65-F5344CB8AC3E}">
+        <p14:creationId xmlns:p14="http://schemas.microsoft.com/office/powerpoint/2010/main" val="2711520154"/>
+      </p:ext>
+    </p:extLst>
+  </p:cSld>
+  <p:clrMapOvr>
+    <a:masterClrMapping/>
+  </p:clrMapOvr>
+</p:sld>
+</file>
+
+<file path=ppt/slides/slide16.xml><?xml version="1.0" encoding="utf-8"?>
+<p:sld xmlns:a="http://schemas.openxmlformats.org/drawingml/2006/main" xmlns:r="http://schemas.openxmlformats.org/officeDocument/2006/relationships" xmlns:p="http://schemas.openxmlformats.org/presentationml/2006/main">
+  <p:cSld>
+    <p:spTree>
+      <p:nvGrpSpPr>
+        <p:cNvPr id="1" name=""/>
+        <p:cNvGrpSpPr/>
+        <p:nvPr/>
+      </p:nvGrpSpPr>
+      <p:grpSpPr>
+        <a:xfrm>
+          <a:off x="0" y="0"/>
+          <a:ext cx="0" cy="0"/>
+          <a:chOff x="0" y="0"/>
+          <a:chExt cx="0" cy="0"/>
+        </a:xfrm>
+      </p:grpSpPr>
       <p:pic>
         <p:nvPicPr>
           <p:cNvPr id="3" name="図 2">
@@ -4635,7 +6417,583 @@
     </p:spTree>
     <p:extLst>
       <p:ext uri="{BB962C8B-B14F-4D97-AF65-F5344CB8AC3E}">
-        <p14:creationId xmlns:p14="http://schemas.microsoft.com/office/powerpoint/2010/main" val="2893887932"/>
+        <p14:creationId xmlns:p14="http://schemas.microsoft.com/office/powerpoint/2010/main" val="3742711471"/>
+      </p:ext>
+    </p:extLst>
+  </p:cSld>
+  <p:clrMapOvr>
+    <a:masterClrMapping/>
+  </p:clrMapOvr>
+</p:sld>
+</file>
+
+<file path=ppt/slides/slide17.xml><?xml version="1.0" encoding="utf-8"?>
+<p:sld xmlns:a="http://schemas.openxmlformats.org/drawingml/2006/main" xmlns:r="http://schemas.openxmlformats.org/officeDocument/2006/relationships" xmlns:p="http://schemas.openxmlformats.org/presentationml/2006/main">
+  <p:cSld>
+    <p:spTree>
+      <p:nvGrpSpPr>
+        <p:cNvPr id="1" name=""/>
+        <p:cNvGrpSpPr/>
+        <p:nvPr/>
+      </p:nvGrpSpPr>
+      <p:grpSpPr>
+        <a:xfrm>
+          <a:off x="0" y="0"/>
+          <a:ext cx="0" cy="0"/>
+          <a:chOff x="0" y="0"/>
+          <a:chExt cx="0" cy="0"/>
+        </a:xfrm>
+      </p:grpSpPr>
+      <p:grpSp>
+        <p:nvGrpSpPr>
+          <p:cNvPr id="9" name="グループ化 8">
+            <a:extLst>
+              <a:ext uri="{FF2B5EF4-FFF2-40B4-BE49-F238E27FC236}">
+                <a16:creationId xmlns:a16="http://schemas.microsoft.com/office/drawing/2014/main" id="{19D35FEA-9643-3143-A7FF-D071412BDF24}"/>
+              </a:ext>
+            </a:extLst>
+          </p:cNvPr>
+          <p:cNvGrpSpPr/>
+          <p:nvPr/>
+        </p:nvGrpSpPr>
+        <p:grpSpPr>
+          <a:xfrm>
+            <a:off x="2457450" y="508000"/>
+            <a:ext cx="7277100" cy="5842000"/>
+            <a:chOff x="2457450" y="508000"/>
+            <a:chExt cx="7277100" cy="5842000"/>
+          </a:xfrm>
+        </p:grpSpPr>
+        <p:pic>
+          <p:nvPicPr>
+            <p:cNvPr id="4" name="図 3">
+              <a:extLst>
+                <a:ext uri="{FF2B5EF4-FFF2-40B4-BE49-F238E27FC236}">
+                  <a16:creationId xmlns:a16="http://schemas.microsoft.com/office/drawing/2014/main" id="{4980F2E8-C9E6-9842-BC39-80D03D5B6C06}"/>
+                </a:ext>
+              </a:extLst>
+            </p:cNvPr>
+            <p:cNvPicPr>
+              <a:picLocks noChangeAspect="1"/>
+            </p:cNvPicPr>
+            <p:nvPr/>
+          </p:nvPicPr>
+          <p:blipFill>
+            <a:blip r:embed="rId2"/>
+            <a:stretch>
+              <a:fillRect/>
+            </a:stretch>
+          </p:blipFill>
+          <p:spPr>
+            <a:xfrm>
+              <a:off x="2457450" y="508000"/>
+              <a:ext cx="7277100" cy="5842000"/>
+            </a:xfrm>
+            <a:prstGeom prst="rect">
+              <a:avLst/>
+            </a:prstGeom>
+          </p:spPr>
+        </p:pic>
+        <p:sp>
+          <p:nvSpPr>
+            <p:cNvPr id="5" name="正方形/長方形 4">
+              <a:extLst>
+                <a:ext uri="{FF2B5EF4-FFF2-40B4-BE49-F238E27FC236}">
+                  <a16:creationId xmlns:a16="http://schemas.microsoft.com/office/drawing/2014/main" id="{A4E572D6-F5F7-0448-84AA-F05BDA92CFF3}"/>
+                </a:ext>
+              </a:extLst>
+            </p:cNvPr>
+            <p:cNvSpPr/>
+            <p:nvPr/>
+          </p:nvSpPr>
+          <p:spPr>
+            <a:xfrm>
+              <a:off x="4471988" y="1000125"/>
+              <a:ext cx="1143000" cy="214313"/>
+            </a:xfrm>
+            <a:prstGeom prst="rect">
+              <a:avLst/>
+            </a:prstGeom>
+            <a:solidFill>
+              <a:schemeClr val="bg1"/>
+            </a:solidFill>
+            <a:ln>
+              <a:noFill/>
+            </a:ln>
+          </p:spPr>
+          <p:style>
+            <a:lnRef idx="2">
+              <a:schemeClr val="accent1">
+                <a:shade val="50000"/>
+              </a:schemeClr>
+            </a:lnRef>
+            <a:fillRef idx="1">
+              <a:schemeClr val="accent1"/>
+            </a:fillRef>
+            <a:effectRef idx="0">
+              <a:schemeClr val="accent1"/>
+            </a:effectRef>
+            <a:fontRef idx="minor">
+              <a:schemeClr val="lt1"/>
+            </a:fontRef>
+          </p:style>
+          <p:txBody>
+            <a:bodyPr rtlCol="0" anchor="ctr"/>
+            <a:lstStyle/>
+            <a:p>
+              <a:pPr algn="ctr"/>
+              <a:endParaRPr kumimoji="1" lang="ja-JP" altLang="en-US"/>
+            </a:p>
+          </p:txBody>
+        </p:sp>
+        <p:sp>
+          <p:nvSpPr>
+            <p:cNvPr id="6" name="正方形/長方形 5">
+              <a:extLst>
+                <a:ext uri="{FF2B5EF4-FFF2-40B4-BE49-F238E27FC236}">
+                  <a16:creationId xmlns:a16="http://schemas.microsoft.com/office/drawing/2014/main" id="{6ECCDA48-3FAC-564A-8D4D-23B790E894A4}"/>
+                </a:ext>
+              </a:extLst>
+            </p:cNvPr>
+            <p:cNvSpPr/>
+            <p:nvPr/>
+          </p:nvSpPr>
+          <p:spPr>
+            <a:xfrm>
+              <a:off x="8124825" y="609600"/>
+              <a:ext cx="1504950" cy="247650"/>
+            </a:xfrm>
+            <a:prstGeom prst="rect">
+              <a:avLst/>
+            </a:prstGeom>
+            <a:solidFill>
+              <a:schemeClr val="tx1"/>
+            </a:solidFill>
+            <a:ln>
+              <a:noFill/>
+            </a:ln>
+          </p:spPr>
+          <p:style>
+            <a:lnRef idx="2">
+              <a:schemeClr val="accent1">
+                <a:shade val="50000"/>
+              </a:schemeClr>
+            </a:lnRef>
+            <a:fillRef idx="1">
+              <a:schemeClr val="accent1"/>
+            </a:fillRef>
+            <a:effectRef idx="0">
+              <a:schemeClr val="accent1"/>
+            </a:effectRef>
+            <a:fontRef idx="minor">
+              <a:schemeClr val="lt1"/>
+            </a:fontRef>
+          </p:style>
+          <p:txBody>
+            <a:bodyPr rtlCol="0" anchor="ctr"/>
+            <a:lstStyle/>
+            <a:p>
+              <a:pPr algn="ctr"/>
+              <a:endParaRPr kumimoji="1" lang="ja-JP" altLang="en-US"/>
+            </a:p>
+          </p:txBody>
+        </p:sp>
+        <p:sp>
+          <p:nvSpPr>
+            <p:cNvPr id="7" name="正方形/長方形 6">
+              <a:extLst>
+                <a:ext uri="{FF2B5EF4-FFF2-40B4-BE49-F238E27FC236}">
+                  <a16:creationId xmlns:a16="http://schemas.microsoft.com/office/drawing/2014/main" id="{91E98F55-3C6B-A34A-B316-DB7DBDC73013}"/>
+                </a:ext>
+              </a:extLst>
+            </p:cNvPr>
+            <p:cNvSpPr/>
+            <p:nvPr/>
+          </p:nvSpPr>
+          <p:spPr>
+            <a:xfrm>
+              <a:off x="6559240" y="3843337"/>
+              <a:ext cx="1256023" cy="285751"/>
+            </a:xfrm>
+            <a:prstGeom prst="rect">
+              <a:avLst/>
+            </a:prstGeom>
+            <a:noFill/>
+            <a:ln w="28575">
+              <a:solidFill>
+                <a:srgbClr val="FF40FF"/>
+              </a:solidFill>
+            </a:ln>
+          </p:spPr>
+          <p:style>
+            <a:lnRef idx="2">
+              <a:schemeClr val="accent1">
+                <a:shade val="50000"/>
+              </a:schemeClr>
+            </a:lnRef>
+            <a:fillRef idx="1">
+              <a:schemeClr val="accent1"/>
+            </a:fillRef>
+            <a:effectRef idx="0">
+              <a:schemeClr val="accent1"/>
+            </a:effectRef>
+            <a:fontRef idx="minor">
+              <a:schemeClr val="lt1"/>
+            </a:fontRef>
+          </p:style>
+          <p:txBody>
+            <a:bodyPr rtlCol="0" anchor="ctr"/>
+            <a:lstStyle/>
+            <a:p>
+              <a:pPr algn="ctr"/>
+              <a:endParaRPr kumimoji="1" lang="ja-JP" altLang="en-US"/>
+            </a:p>
+          </p:txBody>
+        </p:sp>
+      </p:grpSp>
+    </p:spTree>
+    <p:extLst>
+      <p:ext uri="{BB962C8B-B14F-4D97-AF65-F5344CB8AC3E}">
+        <p14:creationId xmlns:p14="http://schemas.microsoft.com/office/powerpoint/2010/main" val="6442603"/>
+      </p:ext>
+    </p:extLst>
+  </p:cSld>
+  <p:clrMapOvr>
+    <a:masterClrMapping/>
+  </p:clrMapOvr>
+</p:sld>
+</file>
+
+<file path=ppt/slides/slide18.xml><?xml version="1.0" encoding="utf-8"?>
+<p:sld xmlns:a="http://schemas.openxmlformats.org/drawingml/2006/main" xmlns:r="http://schemas.openxmlformats.org/officeDocument/2006/relationships" xmlns:p="http://schemas.openxmlformats.org/presentationml/2006/main">
+  <p:cSld>
+    <p:spTree>
+      <p:nvGrpSpPr>
+        <p:cNvPr id="1" name=""/>
+        <p:cNvGrpSpPr/>
+        <p:nvPr/>
+      </p:nvGrpSpPr>
+      <p:grpSpPr>
+        <a:xfrm>
+          <a:off x="0" y="0"/>
+          <a:ext cx="0" cy="0"/>
+          <a:chOff x="0" y="0"/>
+          <a:chExt cx="0" cy="0"/>
+        </a:xfrm>
+      </p:grpSpPr>
+      <p:grpSp>
+        <p:nvGrpSpPr>
+          <p:cNvPr id="9" name="グループ化 8">
+            <a:extLst>
+              <a:ext uri="{FF2B5EF4-FFF2-40B4-BE49-F238E27FC236}">
+                <a16:creationId xmlns:a16="http://schemas.microsoft.com/office/drawing/2014/main" id="{BFDD5143-7F9A-074E-9C9F-FA48C1CED478}"/>
+              </a:ext>
+            </a:extLst>
+          </p:cNvPr>
+          <p:cNvGrpSpPr/>
+          <p:nvPr/>
+        </p:nvGrpSpPr>
+        <p:grpSpPr>
+          <a:xfrm>
+            <a:off x="1866900" y="1606550"/>
+            <a:ext cx="8458200" cy="3644900"/>
+            <a:chOff x="1866900" y="1606550"/>
+            <a:chExt cx="8458200" cy="3644900"/>
+          </a:xfrm>
+        </p:grpSpPr>
+        <p:grpSp>
+          <p:nvGrpSpPr>
+            <p:cNvPr id="7" name="グループ化 6">
+              <a:extLst>
+                <a:ext uri="{FF2B5EF4-FFF2-40B4-BE49-F238E27FC236}">
+                  <a16:creationId xmlns:a16="http://schemas.microsoft.com/office/drawing/2014/main" id="{78A49A56-8919-954D-81BE-FC48CB04DAD2}"/>
+                </a:ext>
+              </a:extLst>
+            </p:cNvPr>
+            <p:cNvGrpSpPr/>
+            <p:nvPr/>
+          </p:nvGrpSpPr>
+          <p:grpSpPr>
+            <a:xfrm>
+              <a:off x="1866900" y="1606550"/>
+              <a:ext cx="8458200" cy="3644900"/>
+              <a:chOff x="1866900" y="1606550"/>
+              <a:chExt cx="8458200" cy="3644900"/>
+            </a:xfrm>
+          </p:grpSpPr>
+          <p:pic>
+            <p:nvPicPr>
+              <p:cNvPr id="5" name="図 4">
+                <a:extLst>
+                  <a:ext uri="{FF2B5EF4-FFF2-40B4-BE49-F238E27FC236}">
+                    <a16:creationId xmlns:a16="http://schemas.microsoft.com/office/drawing/2014/main" id="{854B75E4-944D-F64E-81E6-DA0850ED9EB3}"/>
+                  </a:ext>
+                </a:extLst>
+              </p:cNvPr>
+              <p:cNvPicPr>
+                <a:picLocks noChangeAspect="1"/>
+              </p:cNvPicPr>
+              <p:nvPr/>
+            </p:nvPicPr>
+            <p:blipFill>
+              <a:blip r:embed="rId2"/>
+              <a:stretch>
+                <a:fillRect/>
+              </a:stretch>
+            </p:blipFill>
+            <p:spPr>
+              <a:xfrm>
+                <a:off x="1866900" y="1606550"/>
+                <a:ext cx="8458200" cy="3644900"/>
+              </a:xfrm>
+              <a:prstGeom prst="rect">
+                <a:avLst/>
+              </a:prstGeom>
+            </p:spPr>
+          </p:pic>
+          <p:sp>
+            <p:nvSpPr>
+              <p:cNvPr id="6" name="正方形/長方形 5">
+                <a:extLst>
+                  <a:ext uri="{FF2B5EF4-FFF2-40B4-BE49-F238E27FC236}">
+                    <a16:creationId xmlns:a16="http://schemas.microsoft.com/office/drawing/2014/main" id="{0F7AB114-27AA-0947-B5EB-CA3B37637AF3}"/>
+                  </a:ext>
+                </a:extLst>
+              </p:cNvPr>
+              <p:cNvSpPr/>
+              <p:nvPr/>
+            </p:nvSpPr>
+            <p:spPr>
+              <a:xfrm>
+                <a:off x="8945253" y="3429000"/>
+                <a:ext cx="1256023" cy="285751"/>
+              </a:xfrm>
+              <a:prstGeom prst="rect">
+                <a:avLst/>
+              </a:prstGeom>
+              <a:noFill/>
+              <a:ln w="28575">
+                <a:solidFill>
+                  <a:srgbClr val="FF40FF"/>
+                </a:solidFill>
+              </a:ln>
+            </p:spPr>
+            <p:style>
+              <a:lnRef idx="2">
+                <a:schemeClr val="accent1">
+                  <a:shade val="50000"/>
+                </a:schemeClr>
+              </a:lnRef>
+              <a:fillRef idx="1">
+                <a:schemeClr val="accent1"/>
+              </a:fillRef>
+              <a:effectRef idx="0">
+                <a:schemeClr val="accent1"/>
+              </a:effectRef>
+              <a:fontRef idx="minor">
+                <a:schemeClr val="lt1"/>
+              </a:fontRef>
+            </p:style>
+            <p:txBody>
+              <a:bodyPr rtlCol="0" anchor="ctr"/>
+              <a:lstStyle/>
+              <a:p>
+                <a:pPr algn="ctr"/>
+                <a:endParaRPr kumimoji="1" lang="ja-JP" altLang="en-US"/>
+              </a:p>
+            </p:txBody>
+          </p:sp>
+        </p:grpSp>
+        <p:sp>
+          <p:nvSpPr>
+            <p:cNvPr id="8" name="正方形/長方形 7">
+              <a:extLst>
+                <a:ext uri="{FF2B5EF4-FFF2-40B4-BE49-F238E27FC236}">
+                  <a16:creationId xmlns:a16="http://schemas.microsoft.com/office/drawing/2014/main" id="{FDDB26AC-956F-CC42-B30F-6EA6D246D2D1}"/>
+                </a:ext>
+              </a:extLst>
+            </p:cNvPr>
+            <p:cNvSpPr/>
+            <p:nvPr/>
+          </p:nvSpPr>
+          <p:spPr>
+            <a:xfrm>
+              <a:off x="8696326" y="1768476"/>
+              <a:ext cx="1504950" cy="247650"/>
+            </a:xfrm>
+            <a:prstGeom prst="rect">
+              <a:avLst/>
+            </a:prstGeom>
+            <a:solidFill>
+              <a:schemeClr val="tx1"/>
+            </a:solidFill>
+            <a:ln>
+              <a:noFill/>
+            </a:ln>
+          </p:spPr>
+          <p:style>
+            <a:lnRef idx="2">
+              <a:schemeClr val="accent1">
+                <a:shade val="50000"/>
+              </a:schemeClr>
+            </a:lnRef>
+            <a:fillRef idx="1">
+              <a:schemeClr val="accent1"/>
+            </a:fillRef>
+            <a:effectRef idx="0">
+              <a:schemeClr val="accent1"/>
+            </a:effectRef>
+            <a:fontRef idx="minor">
+              <a:schemeClr val="lt1"/>
+            </a:fontRef>
+          </p:style>
+          <p:txBody>
+            <a:bodyPr rtlCol="0" anchor="ctr"/>
+            <a:lstStyle/>
+            <a:p>
+              <a:pPr algn="ctr"/>
+              <a:endParaRPr kumimoji="1" lang="ja-JP" altLang="en-US"/>
+            </a:p>
+          </p:txBody>
+        </p:sp>
+      </p:grpSp>
+    </p:spTree>
+    <p:extLst>
+      <p:ext uri="{BB962C8B-B14F-4D97-AF65-F5344CB8AC3E}">
+        <p14:creationId xmlns:p14="http://schemas.microsoft.com/office/powerpoint/2010/main" val="3916369427"/>
+      </p:ext>
+    </p:extLst>
+  </p:cSld>
+  <p:clrMapOvr>
+    <a:masterClrMapping/>
+  </p:clrMapOvr>
+</p:sld>
+</file>
+
+<file path=ppt/slides/slide19.xml><?xml version="1.0" encoding="utf-8"?>
+<p:sld xmlns:a="http://schemas.openxmlformats.org/drawingml/2006/main" xmlns:r="http://schemas.openxmlformats.org/officeDocument/2006/relationships" xmlns:p="http://schemas.openxmlformats.org/presentationml/2006/main">
+  <p:cSld>
+    <p:spTree>
+      <p:nvGrpSpPr>
+        <p:cNvPr id="1" name=""/>
+        <p:cNvGrpSpPr/>
+        <p:nvPr/>
+      </p:nvGrpSpPr>
+      <p:grpSpPr>
+        <a:xfrm>
+          <a:off x="0" y="0"/>
+          <a:ext cx="0" cy="0"/>
+          <a:chOff x="0" y="0"/>
+          <a:chExt cx="0" cy="0"/>
+        </a:xfrm>
+      </p:grpSpPr>
+      <p:grpSp>
+        <p:nvGrpSpPr>
+          <p:cNvPr id="5" name="グループ化 4">
+            <a:extLst>
+              <a:ext uri="{FF2B5EF4-FFF2-40B4-BE49-F238E27FC236}">
+                <a16:creationId xmlns:a16="http://schemas.microsoft.com/office/drawing/2014/main" id="{C44368CB-050B-2E4E-B528-CF22E1282F15}"/>
+              </a:ext>
+            </a:extLst>
+          </p:cNvPr>
+          <p:cNvGrpSpPr/>
+          <p:nvPr/>
+        </p:nvGrpSpPr>
+        <p:grpSpPr>
+          <a:xfrm>
+            <a:off x="3289300" y="774700"/>
+            <a:ext cx="5613400" cy="5308600"/>
+            <a:chOff x="3289300" y="774700"/>
+            <a:chExt cx="5613400" cy="5308600"/>
+          </a:xfrm>
+        </p:grpSpPr>
+        <p:pic>
+          <p:nvPicPr>
+            <p:cNvPr id="3" name="図 2">
+              <a:extLst>
+                <a:ext uri="{FF2B5EF4-FFF2-40B4-BE49-F238E27FC236}">
+                  <a16:creationId xmlns:a16="http://schemas.microsoft.com/office/drawing/2014/main" id="{5CB8135C-A272-CF46-9281-DB33DFC2FCDB}"/>
+                </a:ext>
+              </a:extLst>
+            </p:cNvPr>
+            <p:cNvPicPr>
+              <a:picLocks noChangeAspect="1"/>
+            </p:cNvPicPr>
+            <p:nvPr/>
+          </p:nvPicPr>
+          <p:blipFill>
+            <a:blip r:embed="rId2"/>
+            <a:stretch>
+              <a:fillRect/>
+            </a:stretch>
+          </p:blipFill>
+          <p:spPr>
+            <a:xfrm>
+              <a:off x="3289300" y="774700"/>
+              <a:ext cx="5613400" cy="5308600"/>
+            </a:xfrm>
+            <a:prstGeom prst="rect">
+              <a:avLst/>
+            </a:prstGeom>
+          </p:spPr>
+        </p:pic>
+        <p:sp>
+          <p:nvSpPr>
+            <p:cNvPr id="4" name="正方形/長方形 3">
+              <a:extLst>
+                <a:ext uri="{FF2B5EF4-FFF2-40B4-BE49-F238E27FC236}">
+                  <a16:creationId xmlns:a16="http://schemas.microsoft.com/office/drawing/2014/main" id="{3A4B4849-FBD4-614D-A4C6-8F9579137A0D}"/>
+                </a:ext>
+              </a:extLst>
+            </p:cNvPr>
+            <p:cNvSpPr/>
+            <p:nvPr/>
+          </p:nvSpPr>
+          <p:spPr>
+            <a:xfrm>
+              <a:off x="3401703" y="1571625"/>
+              <a:ext cx="2499035" cy="628650"/>
+            </a:xfrm>
+            <a:prstGeom prst="rect">
+              <a:avLst/>
+            </a:prstGeom>
+            <a:noFill/>
+            <a:ln w="28575">
+              <a:solidFill>
+                <a:srgbClr val="FF40FF"/>
+              </a:solidFill>
+            </a:ln>
+          </p:spPr>
+          <p:style>
+            <a:lnRef idx="2">
+              <a:schemeClr val="accent1">
+                <a:shade val="50000"/>
+              </a:schemeClr>
+            </a:lnRef>
+            <a:fillRef idx="1">
+              <a:schemeClr val="accent1"/>
+            </a:fillRef>
+            <a:effectRef idx="0">
+              <a:schemeClr val="accent1"/>
+            </a:effectRef>
+            <a:fontRef idx="minor">
+              <a:schemeClr val="lt1"/>
+            </a:fontRef>
+          </p:style>
+          <p:txBody>
+            <a:bodyPr rtlCol="0" anchor="ctr"/>
+            <a:lstStyle/>
+            <a:p>
+              <a:pPr algn="ctr"/>
+              <a:endParaRPr kumimoji="1" lang="ja-JP" altLang="en-US"/>
+            </a:p>
+          </p:txBody>
+        </p:sp>
+      </p:grpSp>
+    </p:spTree>
+    <p:extLst>
+      <p:ext uri="{BB962C8B-B14F-4D97-AF65-F5344CB8AC3E}">
+        <p14:creationId xmlns:p14="http://schemas.microsoft.com/office/powerpoint/2010/main" val="3780303185"/>
       </p:ext>
     </p:extLst>
   </p:cSld>
@@ -4769,6 +7127,1710 @@
     <p:extLst>
       <p:ext uri="{BB962C8B-B14F-4D97-AF65-F5344CB8AC3E}">
         <p14:creationId xmlns:p14="http://schemas.microsoft.com/office/powerpoint/2010/main" val="1414116573"/>
+      </p:ext>
+    </p:extLst>
+  </p:cSld>
+  <p:clrMapOvr>
+    <a:masterClrMapping/>
+  </p:clrMapOvr>
+</p:sld>
+</file>
+
+<file path=ppt/slides/slide20.xml><?xml version="1.0" encoding="utf-8"?>
+<p:sld xmlns:a="http://schemas.openxmlformats.org/drawingml/2006/main" xmlns:r="http://schemas.openxmlformats.org/officeDocument/2006/relationships" xmlns:p="http://schemas.openxmlformats.org/presentationml/2006/main">
+  <p:cSld>
+    <p:spTree>
+      <p:nvGrpSpPr>
+        <p:cNvPr id="1" name=""/>
+        <p:cNvGrpSpPr/>
+        <p:nvPr/>
+      </p:nvGrpSpPr>
+      <p:grpSpPr>
+        <a:xfrm>
+          <a:off x="0" y="0"/>
+          <a:ext cx="0" cy="0"/>
+          <a:chOff x="0" y="0"/>
+          <a:chExt cx="0" cy="0"/>
+        </a:xfrm>
+      </p:grpSpPr>
+      <p:grpSp>
+        <p:nvGrpSpPr>
+          <p:cNvPr id="7" name="グループ化 6">
+            <a:extLst>
+              <a:ext uri="{FF2B5EF4-FFF2-40B4-BE49-F238E27FC236}">
+                <a16:creationId xmlns:a16="http://schemas.microsoft.com/office/drawing/2014/main" id="{F8F30B1E-942B-4940-BD85-E0B0A4E7FA11}"/>
+              </a:ext>
+            </a:extLst>
+          </p:cNvPr>
+          <p:cNvGrpSpPr/>
+          <p:nvPr/>
+        </p:nvGrpSpPr>
+        <p:grpSpPr>
+          <a:xfrm>
+            <a:off x="1949450" y="1270000"/>
+            <a:ext cx="8293100" cy="4318000"/>
+            <a:chOff x="1949450" y="1270000"/>
+            <a:chExt cx="8293100" cy="4318000"/>
+          </a:xfrm>
+        </p:grpSpPr>
+        <p:pic>
+          <p:nvPicPr>
+            <p:cNvPr id="4" name="図 3">
+              <a:extLst>
+                <a:ext uri="{FF2B5EF4-FFF2-40B4-BE49-F238E27FC236}">
+                  <a16:creationId xmlns:a16="http://schemas.microsoft.com/office/drawing/2014/main" id="{687B4B61-6B64-734D-B5FC-D5998303B773}"/>
+                </a:ext>
+              </a:extLst>
+            </p:cNvPr>
+            <p:cNvPicPr>
+              <a:picLocks noChangeAspect="1"/>
+            </p:cNvPicPr>
+            <p:nvPr/>
+          </p:nvPicPr>
+          <p:blipFill>
+            <a:blip r:embed="rId2"/>
+            <a:stretch>
+              <a:fillRect/>
+            </a:stretch>
+          </p:blipFill>
+          <p:spPr>
+            <a:xfrm>
+              <a:off x="1949450" y="1270000"/>
+              <a:ext cx="8293100" cy="4318000"/>
+            </a:xfrm>
+            <a:prstGeom prst="rect">
+              <a:avLst/>
+            </a:prstGeom>
+          </p:spPr>
+        </p:pic>
+        <p:sp>
+          <p:nvSpPr>
+            <p:cNvPr id="5" name="正方形/長方形 4">
+              <a:extLst>
+                <a:ext uri="{FF2B5EF4-FFF2-40B4-BE49-F238E27FC236}">
+                  <a16:creationId xmlns:a16="http://schemas.microsoft.com/office/drawing/2014/main" id="{7F0ACEBC-ED4B-A24F-B75C-45156D36A530}"/>
+                </a:ext>
+              </a:extLst>
+            </p:cNvPr>
+            <p:cNvSpPr/>
+            <p:nvPr/>
+          </p:nvSpPr>
+          <p:spPr>
+            <a:xfrm>
+              <a:off x="7116453" y="4329112"/>
+              <a:ext cx="2856222" cy="828676"/>
+            </a:xfrm>
+            <a:prstGeom prst="rect">
+              <a:avLst/>
+            </a:prstGeom>
+            <a:noFill/>
+            <a:ln w="28575">
+              <a:solidFill>
+                <a:srgbClr val="FF40FF"/>
+              </a:solidFill>
+            </a:ln>
+          </p:spPr>
+          <p:style>
+            <a:lnRef idx="2">
+              <a:schemeClr val="accent1">
+                <a:shade val="50000"/>
+              </a:schemeClr>
+            </a:lnRef>
+            <a:fillRef idx="1">
+              <a:schemeClr val="accent1"/>
+            </a:fillRef>
+            <a:effectRef idx="0">
+              <a:schemeClr val="accent1"/>
+            </a:effectRef>
+            <a:fontRef idx="minor">
+              <a:schemeClr val="lt1"/>
+            </a:fontRef>
+          </p:style>
+          <p:txBody>
+            <a:bodyPr rtlCol="0" anchor="ctr"/>
+            <a:lstStyle/>
+            <a:p>
+              <a:pPr algn="ctr"/>
+              <a:endParaRPr kumimoji="1" lang="ja-JP" altLang="en-US"/>
+            </a:p>
+          </p:txBody>
+        </p:sp>
+        <p:sp>
+          <p:nvSpPr>
+            <p:cNvPr id="6" name="正方形/長方形 5">
+              <a:extLst>
+                <a:ext uri="{FF2B5EF4-FFF2-40B4-BE49-F238E27FC236}">
+                  <a16:creationId xmlns:a16="http://schemas.microsoft.com/office/drawing/2014/main" id="{1AEE42BA-6039-4344-8202-E5ED70BB1851}"/>
+                </a:ext>
+              </a:extLst>
+            </p:cNvPr>
+            <p:cNvSpPr/>
+            <p:nvPr/>
+          </p:nvSpPr>
+          <p:spPr>
+            <a:xfrm>
+              <a:off x="8737600" y="1409698"/>
+              <a:ext cx="1504950" cy="247650"/>
+            </a:xfrm>
+            <a:prstGeom prst="rect">
+              <a:avLst/>
+            </a:prstGeom>
+            <a:solidFill>
+              <a:schemeClr val="tx1"/>
+            </a:solidFill>
+            <a:ln>
+              <a:noFill/>
+            </a:ln>
+          </p:spPr>
+          <p:style>
+            <a:lnRef idx="2">
+              <a:schemeClr val="accent1">
+                <a:shade val="50000"/>
+              </a:schemeClr>
+            </a:lnRef>
+            <a:fillRef idx="1">
+              <a:schemeClr val="accent1"/>
+            </a:fillRef>
+            <a:effectRef idx="0">
+              <a:schemeClr val="accent1"/>
+            </a:effectRef>
+            <a:fontRef idx="minor">
+              <a:schemeClr val="lt1"/>
+            </a:fontRef>
+          </p:style>
+          <p:txBody>
+            <a:bodyPr rtlCol="0" anchor="ctr"/>
+            <a:lstStyle/>
+            <a:p>
+              <a:pPr algn="ctr"/>
+              <a:endParaRPr kumimoji="1" lang="ja-JP" altLang="en-US"/>
+            </a:p>
+          </p:txBody>
+        </p:sp>
+      </p:grpSp>
+    </p:spTree>
+    <p:extLst>
+      <p:ext uri="{BB962C8B-B14F-4D97-AF65-F5344CB8AC3E}">
+        <p14:creationId xmlns:p14="http://schemas.microsoft.com/office/powerpoint/2010/main" val="1704274619"/>
+      </p:ext>
+    </p:extLst>
+  </p:cSld>
+  <p:clrMapOvr>
+    <a:masterClrMapping/>
+  </p:clrMapOvr>
+</p:sld>
+</file>
+
+<file path=ppt/slides/slide21.xml><?xml version="1.0" encoding="utf-8"?>
+<p:sld xmlns:a="http://schemas.openxmlformats.org/drawingml/2006/main" xmlns:r="http://schemas.openxmlformats.org/officeDocument/2006/relationships" xmlns:p="http://schemas.openxmlformats.org/presentationml/2006/main">
+  <p:cSld>
+    <p:spTree>
+      <p:nvGrpSpPr>
+        <p:cNvPr id="1" name=""/>
+        <p:cNvGrpSpPr/>
+        <p:nvPr/>
+      </p:nvGrpSpPr>
+      <p:grpSpPr>
+        <a:xfrm>
+          <a:off x="0" y="0"/>
+          <a:ext cx="0" cy="0"/>
+          <a:chOff x="0" y="0"/>
+          <a:chExt cx="0" cy="0"/>
+        </a:xfrm>
+      </p:grpSpPr>
+      <p:grpSp>
+        <p:nvGrpSpPr>
+          <p:cNvPr id="8" name="グループ化 7">
+            <a:extLst>
+              <a:ext uri="{FF2B5EF4-FFF2-40B4-BE49-F238E27FC236}">
+                <a16:creationId xmlns:a16="http://schemas.microsoft.com/office/drawing/2014/main" id="{6138C7FB-2C1D-0846-8189-55D9DA5423CD}"/>
+              </a:ext>
+            </a:extLst>
+          </p:cNvPr>
+          <p:cNvGrpSpPr/>
+          <p:nvPr/>
+        </p:nvGrpSpPr>
+        <p:grpSpPr>
+          <a:xfrm>
+            <a:off x="2368550" y="1854200"/>
+            <a:ext cx="7454900" cy="3149600"/>
+            <a:chOff x="2368550" y="1854200"/>
+            <a:chExt cx="7454900" cy="3149600"/>
+          </a:xfrm>
+        </p:grpSpPr>
+        <p:pic>
+          <p:nvPicPr>
+            <p:cNvPr id="4" name="図 3">
+              <a:extLst>
+                <a:ext uri="{FF2B5EF4-FFF2-40B4-BE49-F238E27FC236}">
+                  <a16:creationId xmlns:a16="http://schemas.microsoft.com/office/drawing/2014/main" id="{36C27E66-96B2-C84A-B7CE-3C41478D3BCC}"/>
+                </a:ext>
+              </a:extLst>
+            </p:cNvPr>
+            <p:cNvPicPr>
+              <a:picLocks noChangeAspect="1"/>
+            </p:cNvPicPr>
+            <p:nvPr/>
+          </p:nvPicPr>
+          <p:blipFill>
+            <a:blip r:embed="rId2"/>
+            <a:stretch>
+              <a:fillRect/>
+            </a:stretch>
+          </p:blipFill>
+          <p:spPr>
+            <a:xfrm>
+              <a:off x="2368550" y="1854200"/>
+              <a:ext cx="7454900" cy="3149600"/>
+            </a:xfrm>
+            <a:prstGeom prst="rect">
+              <a:avLst/>
+            </a:prstGeom>
+          </p:spPr>
+        </p:pic>
+        <p:sp>
+          <p:nvSpPr>
+            <p:cNvPr id="5" name="正方形/長方形 4">
+              <a:extLst>
+                <a:ext uri="{FF2B5EF4-FFF2-40B4-BE49-F238E27FC236}">
+                  <a16:creationId xmlns:a16="http://schemas.microsoft.com/office/drawing/2014/main" id="{8929BB63-3997-C94D-B672-C904EC0E88B3}"/>
+                </a:ext>
+              </a:extLst>
+            </p:cNvPr>
+            <p:cNvSpPr/>
+            <p:nvPr/>
+          </p:nvSpPr>
+          <p:spPr>
+            <a:xfrm>
+              <a:off x="2368550" y="4371975"/>
+              <a:ext cx="1889125" cy="428625"/>
+            </a:xfrm>
+            <a:prstGeom prst="rect">
+              <a:avLst/>
+            </a:prstGeom>
+            <a:noFill/>
+            <a:ln w="28575">
+              <a:solidFill>
+                <a:srgbClr val="FF40FF"/>
+              </a:solidFill>
+            </a:ln>
+          </p:spPr>
+          <p:style>
+            <a:lnRef idx="2">
+              <a:schemeClr val="accent1">
+                <a:shade val="50000"/>
+              </a:schemeClr>
+            </a:lnRef>
+            <a:fillRef idx="1">
+              <a:schemeClr val="accent1"/>
+            </a:fillRef>
+            <a:effectRef idx="0">
+              <a:schemeClr val="accent1"/>
+            </a:effectRef>
+            <a:fontRef idx="minor">
+              <a:schemeClr val="lt1"/>
+            </a:fontRef>
+          </p:style>
+          <p:txBody>
+            <a:bodyPr rtlCol="0" anchor="ctr"/>
+            <a:lstStyle/>
+            <a:p>
+              <a:pPr algn="ctr"/>
+              <a:endParaRPr kumimoji="1" lang="ja-JP" altLang="en-US"/>
+            </a:p>
+          </p:txBody>
+        </p:sp>
+        <p:sp>
+          <p:nvSpPr>
+            <p:cNvPr id="6" name="正方形/長方形 5">
+              <a:extLst>
+                <a:ext uri="{FF2B5EF4-FFF2-40B4-BE49-F238E27FC236}">
+                  <a16:creationId xmlns:a16="http://schemas.microsoft.com/office/drawing/2014/main" id="{9D6AF870-5D57-354A-94CA-4067AC49AADE}"/>
+                </a:ext>
+              </a:extLst>
+            </p:cNvPr>
+            <p:cNvSpPr/>
+            <p:nvPr/>
+          </p:nvSpPr>
+          <p:spPr>
+            <a:xfrm>
+              <a:off x="8929688" y="3186112"/>
+              <a:ext cx="893762" cy="414338"/>
+            </a:xfrm>
+            <a:prstGeom prst="rect">
+              <a:avLst/>
+            </a:prstGeom>
+            <a:noFill/>
+            <a:ln w="28575">
+              <a:solidFill>
+                <a:srgbClr val="FF40FF"/>
+              </a:solidFill>
+            </a:ln>
+          </p:spPr>
+          <p:style>
+            <a:lnRef idx="2">
+              <a:schemeClr val="accent1">
+                <a:shade val="50000"/>
+              </a:schemeClr>
+            </a:lnRef>
+            <a:fillRef idx="1">
+              <a:schemeClr val="accent1"/>
+            </a:fillRef>
+            <a:effectRef idx="0">
+              <a:schemeClr val="accent1"/>
+            </a:effectRef>
+            <a:fontRef idx="minor">
+              <a:schemeClr val="lt1"/>
+            </a:fontRef>
+          </p:style>
+          <p:txBody>
+            <a:bodyPr rtlCol="0" anchor="ctr"/>
+            <a:lstStyle/>
+            <a:p>
+              <a:pPr algn="ctr"/>
+              <a:endParaRPr kumimoji="1" lang="ja-JP" altLang="en-US"/>
+            </a:p>
+          </p:txBody>
+        </p:sp>
+        <p:sp>
+          <p:nvSpPr>
+            <p:cNvPr id="7" name="正方形/長方形 6">
+              <a:extLst>
+                <a:ext uri="{FF2B5EF4-FFF2-40B4-BE49-F238E27FC236}">
+                  <a16:creationId xmlns:a16="http://schemas.microsoft.com/office/drawing/2014/main" id="{27D4AFA3-1418-2B49-9DA3-5A7ADAAEE75A}"/>
+                </a:ext>
+              </a:extLst>
+            </p:cNvPr>
+            <p:cNvSpPr/>
+            <p:nvPr/>
+          </p:nvSpPr>
+          <p:spPr>
+            <a:xfrm>
+              <a:off x="7196138" y="2771774"/>
+              <a:ext cx="893762" cy="414338"/>
+            </a:xfrm>
+            <a:prstGeom prst="rect">
+              <a:avLst/>
+            </a:prstGeom>
+            <a:noFill/>
+            <a:ln w="28575">
+              <a:solidFill>
+                <a:srgbClr val="FF40FF"/>
+              </a:solidFill>
+            </a:ln>
+          </p:spPr>
+          <p:style>
+            <a:lnRef idx="2">
+              <a:schemeClr val="accent1">
+                <a:shade val="50000"/>
+              </a:schemeClr>
+            </a:lnRef>
+            <a:fillRef idx="1">
+              <a:schemeClr val="accent1"/>
+            </a:fillRef>
+            <a:effectRef idx="0">
+              <a:schemeClr val="accent1"/>
+            </a:effectRef>
+            <a:fontRef idx="minor">
+              <a:schemeClr val="lt1"/>
+            </a:fontRef>
+          </p:style>
+          <p:txBody>
+            <a:bodyPr rtlCol="0" anchor="ctr"/>
+            <a:lstStyle/>
+            <a:p>
+              <a:pPr algn="ctr"/>
+              <a:endParaRPr kumimoji="1" lang="ja-JP" altLang="en-US"/>
+            </a:p>
+          </p:txBody>
+        </p:sp>
+      </p:grpSp>
+    </p:spTree>
+    <p:extLst>
+      <p:ext uri="{BB962C8B-B14F-4D97-AF65-F5344CB8AC3E}">
+        <p14:creationId xmlns:p14="http://schemas.microsoft.com/office/powerpoint/2010/main" val="1076282924"/>
+      </p:ext>
+    </p:extLst>
+  </p:cSld>
+  <p:clrMapOvr>
+    <a:masterClrMapping/>
+  </p:clrMapOvr>
+</p:sld>
+</file>
+
+<file path=ppt/slides/slide22.xml><?xml version="1.0" encoding="utf-8"?>
+<p:sld xmlns:a="http://schemas.openxmlformats.org/drawingml/2006/main" xmlns:r="http://schemas.openxmlformats.org/officeDocument/2006/relationships" xmlns:p="http://schemas.openxmlformats.org/presentationml/2006/main">
+  <p:cSld>
+    <p:spTree>
+      <p:nvGrpSpPr>
+        <p:cNvPr id="1" name=""/>
+        <p:cNvGrpSpPr/>
+        <p:nvPr/>
+      </p:nvGrpSpPr>
+      <p:grpSpPr>
+        <a:xfrm>
+          <a:off x="0" y="0"/>
+          <a:ext cx="0" cy="0"/>
+          <a:chOff x="0" y="0"/>
+          <a:chExt cx="0" cy="0"/>
+        </a:xfrm>
+      </p:grpSpPr>
+      <p:grpSp>
+        <p:nvGrpSpPr>
+          <p:cNvPr id="13" name="グループ化 12">
+            <a:extLst>
+              <a:ext uri="{FF2B5EF4-FFF2-40B4-BE49-F238E27FC236}">
+                <a16:creationId xmlns:a16="http://schemas.microsoft.com/office/drawing/2014/main" id="{D29FED2D-1B68-A140-B572-18115398BA03}"/>
+              </a:ext>
+            </a:extLst>
+          </p:cNvPr>
+          <p:cNvGrpSpPr/>
+          <p:nvPr/>
+        </p:nvGrpSpPr>
+        <p:grpSpPr>
+          <a:xfrm>
+            <a:off x="2476500" y="527050"/>
+            <a:ext cx="7239000" cy="5803900"/>
+            <a:chOff x="2476500" y="527050"/>
+            <a:chExt cx="7239000" cy="5803900"/>
+          </a:xfrm>
+        </p:grpSpPr>
+        <p:pic>
+          <p:nvPicPr>
+            <p:cNvPr id="3" name="図 2">
+              <a:extLst>
+                <a:ext uri="{FF2B5EF4-FFF2-40B4-BE49-F238E27FC236}">
+                  <a16:creationId xmlns:a16="http://schemas.microsoft.com/office/drawing/2014/main" id="{B9CBC4D9-7433-B641-B6B3-4FE77087EB65}"/>
+                </a:ext>
+              </a:extLst>
+            </p:cNvPr>
+            <p:cNvPicPr>
+              <a:picLocks noChangeAspect="1"/>
+            </p:cNvPicPr>
+            <p:nvPr/>
+          </p:nvPicPr>
+          <p:blipFill>
+            <a:blip r:embed="rId2"/>
+            <a:stretch>
+              <a:fillRect/>
+            </a:stretch>
+          </p:blipFill>
+          <p:spPr>
+            <a:xfrm>
+              <a:off x="2476500" y="527050"/>
+              <a:ext cx="7239000" cy="5803900"/>
+            </a:xfrm>
+            <a:prstGeom prst="rect">
+              <a:avLst/>
+            </a:prstGeom>
+          </p:spPr>
+        </p:pic>
+        <p:sp>
+          <p:nvSpPr>
+            <p:cNvPr id="10" name="正方形/長方形 9">
+              <a:extLst>
+                <a:ext uri="{FF2B5EF4-FFF2-40B4-BE49-F238E27FC236}">
+                  <a16:creationId xmlns:a16="http://schemas.microsoft.com/office/drawing/2014/main" id="{24878F23-C07D-A143-8633-98893A26953E}"/>
+                </a:ext>
+              </a:extLst>
+            </p:cNvPr>
+            <p:cNvSpPr/>
+            <p:nvPr/>
+          </p:nvSpPr>
+          <p:spPr>
+            <a:xfrm>
+              <a:off x="4468813" y="3000375"/>
+              <a:ext cx="3032125" cy="428625"/>
+            </a:xfrm>
+            <a:prstGeom prst="rect">
+              <a:avLst/>
+            </a:prstGeom>
+            <a:noFill/>
+            <a:ln w="28575">
+              <a:solidFill>
+                <a:srgbClr val="FF40FF"/>
+              </a:solidFill>
+            </a:ln>
+          </p:spPr>
+          <p:style>
+            <a:lnRef idx="2">
+              <a:schemeClr val="accent1">
+                <a:shade val="50000"/>
+              </a:schemeClr>
+            </a:lnRef>
+            <a:fillRef idx="1">
+              <a:schemeClr val="accent1"/>
+            </a:fillRef>
+            <a:effectRef idx="0">
+              <a:schemeClr val="accent1"/>
+            </a:effectRef>
+            <a:fontRef idx="minor">
+              <a:schemeClr val="lt1"/>
+            </a:fontRef>
+          </p:style>
+          <p:txBody>
+            <a:bodyPr rtlCol="0" anchor="ctr"/>
+            <a:lstStyle/>
+            <a:p>
+              <a:pPr algn="ctr"/>
+              <a:endParaRPr kumimoji="1" lang="ja-JP" altLang="en-US"/>
+            </a:p>
+          </p:txBody>
+        </p:sp>
+        <p:sp>
+          <p:nvSpPr>
+            <p:cNvPr id="11" name="正方形/長方形 10">
+              <a:extLst>
+                <a:ext uri="{FF2B5EF4-FFF2-40B4-BE49-F238E27FC236}">
+                  <a16:creationId xmlns:a16="http://schemas.microsoft.com/office/drawing/2014/main" id="{E1BFC34C-E1AB-F940-8873-AF4AC273A347}"/>
+                </a:ext>
+              </a:extLst>
+            </p:cNvPr>
+            <p:cNvSpPr/>
+            <p:nvPr/>
+          </p:nvSpPr>
+          <p:spPr>
+            <a:xfrm>
+              <a:off x="4468813" y="3429000"/>
+              <a:ext cx="1960562" cy="428625"/>
+            </a:xfrm>
+            <a:prstGeom prst="rect">
+              <a:avLst/>
+            </a:prstGeom>
+            <a:noFill/>
+            <a:ln w="28575">
+              <a:solidFill>
+                <a:srgbClr val="FF40FF"/>
+              </a:solidFill>
+            </a:ln>
+          </p:spPr>
+          <p:style>
+            <a:lnRef idx="2">
+              <a:schemeClr val="accent1">
+                <a:shade val="50000"/>
+              </a:schemeClr>
+            </a:lnRef>
+            <a:fillRef idx="1">
+              <a:schemeClr val="accent1"/>
+            </a:fillRef>
+            <a:effectRef idx="0">
+              <a:schemeClr val="accent1"/>
+            </a:effectRef>
+            <a:fontRef idx="minor">
+              <a:schemeClr val="lt1"/>
+            </a:fontRef>
+          </p:style>
+          <p:txBody>
+            <a:bodyPr rtlCol="0" anchor="ctr"/>
+            <a:lstStyle/>
+            <a:p>
+              <a:pPr algn="ctr"/>
+              <a:endParaRPr kumimoji="1" lang="ja-JP" altLang="en-US"/>
+            </a:p>
+          </p:txBody>
+        </p:sp>
+        <p:sp>
+          <p:nvSpPr>
+            <p:cNvPr id="12" name="正方形/長方形 11">
+              <a:extLst>
+                <a:ext uri="{FF2B5EF4-FFF2-40B4-BE49-F238E27FC236}">
+                  <a16:creationId xmlns:a16="http://schemas.microsoft.com/office/drawing/2014/main" id="{5A5ABF78-FC51-5E41-B5EA-C8CDA70C8B05}"/>
+                </a:ext>
+              </a:extLst>
+            </p:cNvPr>
+            <p:cNvSpPr/>
+            <p:nvPr/>
+          </p:nvSpPr>
+          <p:spPr>
+            <a:xfrm>
+              <a:off x="4468813" y="5745164"/>
+              <a:ext cx="960437" cy="428625"/>
+            </a:xfrm>
+            <a:prstGeom prst="rect">
+              <a:avLst/>
+            </a:prstGeom>
+            <a:noFill/>
+            <a:ln w="28575">
+              <a:solidFill>
+                <a:srgbClr val="FF40FF"/>
+              </a:solidFill>
+            </a:ln>
+          </p:spPr>
+          <p:style>
+            <a:lnRef idx="2">
+              <a:schemeClr val="accent1">
+                <a:shade val="50000"/>
+              </a:schemeClr>
+            </a:lnRef>
+            <a:fillRef idx="1">
+              <a:schemeClr val="accent1"/>
+            </a:fillRef>
+            <a:effectRef idx="0">
+              <a:schemeClr val="accent1"/>
+            </a:effectRef>
+            <a:fontRef idx="minor">
+              <a:schemeClr val="lt1"/>
+            </a:fontRef>
+          </p:style>
+          <p:txBody>
+            <a:bodyPr rtlCol="0" anchor="ctr"/>
+            <a:lstStyle/>
+            <a:p>
+              <a:pPr algn="ctr"/>
+              <a:endParaRPr kumimoji="1" lang="ja-JP" altLang="en-US"/>
+            </a:p>
+          </p:txBody>
+        </p:sp>
+      </p:grpSp>
+    </p:spTree>
+    <p:extLst>
+      <p:ext uri="{BB962C8B-B14F-4D97-AF65-F5344CB8AC3E}">
+        <p14:creationId xmlns:p14="http://schemas.microsoft.com/office/powerpoint/2010/main" val="1129458245"/>
+      </p:ext>
+    </p:extLst>
+  </p:cSld>
+  <p:clrMapOvr>
+    <a:masterClrMapping/>
+  </p:clrMapOvr>
+</p:sld>
+</file>
+
+<file path=ppt/slides/slide23.xml><?xml version="1.0" encoding="utf-8"?>
+<p:sld xmlns:a="http://schemas.openxmlformats.org/drawingml/2006/main" xmlns:r="http://schemas.openxmlformats.org/officeDocument/2006/relationships" xmlns:p="http://schemas.openxmlformats.org/presentationml/2006/main">
+  <p:cSld>
+    <p:spTree>
+      <p:nvGrpSpPr>
+        <p:cNvPr id="1" name=""/>
+        <p:cNvGrpSpPr/>
+        <p:nvPr/>
+      </p:nvGrpSpPr>
+      <p:grpSpPr>
+        <a:xfrm>
+          <a:off x="0" y="0"/>
+          <a:ext cx="0" cy="0"/>
+          <a:chOff x="0" y="0"/>
+          <a:chExt cx="0" cy="0"/>
+        </a:xfrm>
+      </p:grpSpPr>
+      <p:pic>
+        <p:nvPicPr>
+          <p:cNvPr id="4" name="図 3">
+            <a:extLst>
+              <a:ext uri="{FF2B5EF4-FFF2-40B4-BE49-F238E27FC236}">
+                <a16:creationId xmlns:a16="http://schemas.microsoft.com/office/drawing/2014/main" id="{7C5F7FC4-9A6A-9E40-A098-0F06F3281295}"/>
+              </a:ext>
+            </a:extLst>
+          </p:cNvPr>
+          <p:cNvPicPr>
+            <a:picLocks noChangeAspect="1"/>
+          </p:cNvPicPr>
+          <p:nvPr/>
+        </p:nvPicPr>
+        <p:blipFill>
+          <a:blip r:embed="rId2"/>
+          <a:stretch>
+            <a:fillRect/>
+          </a:stretch>
+        </p:blipFill>
+        <p:spPr>
+          <a:xfrm>
+            <a:off x="3994150" y="2724150"/>
+            <a:ext cx="4203700" cy="1409700"/>
+          </a:xfrm>
+          <a:prstGeom prst="rect">
+            <a:avLst/>
+          </a:prstGeom>
+        </p:spPr>
+      </p:pic>
+    </p:spTree>
+    <p:extLst>
+      <p:ext uri="{BB962C8B-B14F-4D97-AF65-F5344CB8AC3E}">
+        <p14:creationId xmlns:p14="http://schemas.microsoft.com/office/powerpoint/2010/main" val="3850485576"/>
+      </p:ext>
+    </p:extLst>
+  </p:cSld>
+  <p:clrMapOvr>
+    <a:masterClrMapping/>
+  </p:clrMapOvr>
+</p:sld>
+</file>
+
+<file path=ppt/slides/slide24.xml><?xml version="1.0" encoding="utf-8"?>
+<p:sld xmlns:a="http://schemas.openxmlformats.org/drawingml/2006/main" xmlns:r="http://schemas.openxmlformats.org/officeDocument/2006/relationships" xmlns:p="http://schemas.openxmlformats.org/presentationml/2006/main">
+  <p:cSld>
+    <p:spTree>
+      <p:nvGrpSpPr>
+        <p:cNvPr id="1" name=""/>
+        <p:cNvGrpSpPr/>
+        <p:nvPr/>
+      </p:nvGrpSpPr>
+      <p:grpSpPr>
+        <a:xfrm>
+          <a:off x="0" y="0"/>
+          <a:ext cx="0" cy="0"/>
+          <a:chOff x="0" y="0"/>
+          <a:chExt cx="0" cy="0"/>
+        </a:xfrm>
+      </p:grpSpPr>
+      <p:grpSp>
+        <p:nvGrpSpPr>
+          <p:cNvPr id="9" name="グループ化 8">
+            <a:extLst>
+              <a:ext uri="{FF2B5EF4-FFF2-40B4-BE49-F238E27FC236}">
+                <a16:creationId xmlns:a16="http://schemas.microsoft.com/office/drawing/2014/main" id="{8232B193-46D6-9F4E-AC2C-43364205F044}"/>
+              </a:ext>
+            </a:extLst>
+          </p:cNvPr>
+          <p:cNvGrpSpPr/>
+          <p:nvPr/>
+        </p:nvGrpSpPr>
+        <p:grpSpPr>
+          <a:xfrm>
+            <a:off x="2222500" y="317500"/>
+            <a:ext cx="6064250" cy="3820887"/>
+            <a:chOff x="2222500" y="317500"/>
+            <a:chExt cx="6064250" cy="3820887"/>
+          </a:xfrm>
+        </p:grpSpPr>
+        <p:pic>
+          <p:nvPicPr>
+            <p:cNvPr id="3" name="図 2">
+              <a:extLst>
+                <a:ext uri="{FF2B5EF4-FFF2-40B4-BE49-F238E27FC236}">
+                  <a16:creationId xmlns:a16="http://schemas.microsoft.com/office/drawing/2014/main" id="{8C166163-E6CC-FC4D-91EA-C65D014F5D0D}"/>
+                </a:ext>
+              </a:extLst>
+            </p:cNvPr>
+            <p:cNvPicPr>
+              <a:picLocks noChangeAspect="1"/>
+            </p:cNvPicPr>
+            <p:nvPr/>
+          </p:nvPicPr>
+          <p:blipFill>
+            <a:blip r:embed="rId2"/>
+            <a:stretch>
+              <a:fillRect/>
+            </a:stretch>
+          </p:blipFill>
+          <p:spPr>
+            <a:xfrm>
+              <a:off x="2222500" y="317500"/>
+              <a:ext cx="6064250" cy="3820887"/>
+            </a:xfrm>
+            <a:prstGeom prst="rect">
+              <a:avLst/>
+            </a:prstGeom>
+          </p:spPr>
+        </p:pic>
+        <p:sp>
+          <p:nvSpPr>
+            <p:cNvPr id="7" name="正方形/長方形 6">
+              <a:extLst>
+                <a:ext uri="{FF2B5EF4-FFF2-40B4-BE49-F238E27FC236}">
+                  <a16:creationId xmlns:a16="http://schemas.microsoft.com/office/drawing/2014/main" id="{22345CB7-3F8D-2F4A-9AE5-B0ECBDC10079}"/>
+                </a:ext>
+              </a:extLst>
+            </p:cNvPr>
+            <p:cNvSpPr/>
+            <p:nvPr/>
+          </p:nvSpPr>
+          <p:spPr>
+            <a:xfrm>
+              <a:off x="2825751" y="1400175"/>
+              <a:ext cx="2632074" cy="371475"/>
+            </a:xfrm>
+            <a:prstGeom prst="rect">
+              <a:avLst/>
+            </a:prstGeom>
+            <a:noFill/>
+            <a:ln w="28575">
+              <a:solidFill>
+                <a:srgbClr val="FF40FF"/>
+              </a:solidFill>
+            </a:ln>
+          </p:spPr>
+          <p:style>
+            <a:lnRef idx="2">
+              <a:schemeClr val="accent1">
+                <a:shade val="50000"/>
+              </a:schemeClr>
+            </a:lnRef>
+            <a:fillRef idx="1">
+              <a:schemeClr val="accent1"/>
+            </a:fillRef>
+            <a:effectRef idx="0">
+              <a:schemeClr val="accent1"/>
+            </a:effectRef>
+            <a:fontRef idx="minor">
+              <a:schemeClr val="lt1"/>
+            </a:fontRef>
+          </p:style>
+          <p:txBody>
+            <a:bodyPr rtlCol="0" anchor="ctr"/>
+            <a:lstStyle/>
+            <a:p>
+              <a:pPr algn="ctr"/>
+              <a:endParaRPr kumimoji="1" lang="ja-JP" altLang="en-US"/>
+            </a:p>
+          </p:txBody>
+        </p:sp>
+        <p:sp>
+          <p:nvSpPr>
+            <p:cNvPr id="8" name="正方形/長方形 7">
+              <a:extLst>
+                <a:ext uri="{FF2B5EF4-FFF2-40B4-BE49-F238E27FC236}">
+                  <a16:creationId xmlns:a16="http://schemas.microsoft.com/office/drawing/2014/main" id="{994AB626-9077-0542-852A-D843D8628BFE}"/>
+                </a:ext>
+              </a:extLst>
+            </p:cNvPr>
+            <p:cNvSpPr/>
+            <p:nvPr/>
+          </p:nvSpPr>
+          <p:spPr>
+            <a:xfrm>
+              <a:off x="7729538" y="2251755"/>
+              <a:ext cx="214312" cy="371475"/>
+            </a:xfrm>
+            <a:prstGeom prst="rect">
+              <a:avLst/>
+            </a:prstGeom>
+            <a:noFill/>
+            <a:ln w="28575">
+              <a:solidFill>
+                <a:srgbClr val="FF40FF"/>
+              </a:solidFill>
+            </a:ln>
+          </p:spPr>
+          <p:style>
+            <a:lnRef idx="2">
+              <a:schemeClr val="accent1">
+                <a:shade val="50000"/>
+              </a:schemeClr>
+            </a:lnRef>
+            <a:fillRef idx="1">
+              <a:schemeClr val="accent1"/>
+            </a:fillRef>
+            <a:effectRef idx="0">
+              <a:schemeClr val="accent1"/>
+            </a:effectRef>
+            <a:fontRef idx="minor">
+              <a:schemeClr val="lt1"/>
+            </a:fontRef>
+          </p:style>
+          <p:txBody>
+            <a:bodyPr rtlCol="0" anchor="ctr"/>
+            <a:lstStyle/>
+            <a:p>
+              <a:pPr algn="ctr"/>
+              <a:endParaRPr kumimoji="1" lang="ja-JP" altLang="en-US"/>
+            </a:p>
+          </p:txBody>
+        </p:sp>
+      </p:grpSp>
+    </p:spTree>
+    <p:extLst>
+      <p:ext uri="{BB962C8B-B14F-4D97-AF65-F5344CB8AC3E}">
+        <p14:creationId xmlns:p14="http://schemas.microsoft.com/office/powerpoint/2010/main" val="4035612132"/>
+      </p:ext>
+    </p:extLst>
+  </p:cSld>
+  <p:clrMapOvr>
+    <a:masterClrMapping/>
+  </p:clrMapOvr>
+</p:sld>
+</file>
+
+<file path=ppt/slides/slide25.xml><?xml version="1.0" encoding="utf-8"?>
+<p:sld xmlns:a="http://schemas.openxmlformats.org/drawingml/2006/main" xmlns:r="http://schemas.openxmlformats.org/officeDocument/2006/relationships" xmlns:p="http://schemas.openxmlformats.org/presentationml/2006/main">
+  <p:cSld>
+    <p:spTree>
+      <p:nvGrpSpPr>
+        <p:cNvPr id="1" name=""/>
+        <p:cNvGrpSpPr/>
+        <p:nvPr/>
+      </p:nvGrpSpPr>
+      <p:grpSpPr>
+        <a:xfrm>
+          <a:off x="0" y="0"/>
+          <a:ext cx="0" cy="0"/>
+          <a:chOff x="0" y="0"/>
+          <a:chExt cx="0" cy="0"/>
+        </a:xfrm>
+      </p:grpSpPr>
+      <p:grpSp>
+        <p:nvGrpSpPr>
+          <p:cNvPr id="7" name="グループ化 6">
+            <a:extLst>
+              <a:ext uri="{FF2B5EF4-FFF2-40B4-BE49-F238E27FC236}">
+                <a16:creationId xmlns:a16="http://schemas.microsoft.com/office/drawing/2014/main" id="{B1A3442C-1125-814E-B20B-CB0AB859867A}"/>
+              </a:ext>
+            </a:extLst>
+          </p:cNvPr>
+          <p:cNvGrpSpPr/>
+          <p:nvPr/>
+        </p:nvGrpSpPr>
+        <p:grpSpPr>
+          <a:xfrm>
+            <a:off x="2044700" y="823687"/>
+            <a:ext cx="5770563" cy="1432760"/>
+            <a:chOff x="2044700" y="823687"/>
+            <a:chExt cx="5770563" cy="1432760"/>
+          </a:xfrm>
+        </p:grpSpPr>
+        <p:pic>
+          <p:nvPicPr>
+            <p:cNvPr id="4" name="図 3">
+              <a:extLst>
+                <a:ext uri="{FF2B5EF4-FFF2-40B4-BE49-F238E27FC236}">
+                  <a16:creationId xmlns:a16="http://schemas.microsoft.com/office/drawing/2014/main" id="{8CC8BE90-5AB2-5740-AA9D-7592E69AB01C}"/>
+                </a:ext>
+              </a:extLst>
+            </p:cNvPr>
+            <p:cNvPicPr>
+              <a:picLocks noChangeAspect="1"/>
+            </p:cNvPicPr>
+            <p:nvPr/>
+          </p:nvPicPr>
+          <p:blipFill>
+            <a:blip r:embed="rId2"/>
+            <a:stretch>
+              <a:fillRect/>
+            </a:stretch>
+          </p:blipFill>
+          <p:spPr>
+            <a:xfrm>
+              <a:off x="2044700" y="823687"/>
+              <a:ext cx="5770563" cy="1432760"/>
+            </a:xfrm>
+            <a:prstGeom prst="rect">
+              <a:avLst/>
+            </a:prstGeom>
+          </p:spPr>
+        </p:pic>
+        <p:sp>
+          <p:nvSpPr>
+            <p:cNvPr id="5" name="正方形/長方形 4">
+              <a:extLst>
+                <a:ext uri="{FF2B5EF4-FFF2-40B4-BE49-F238E27FC236}">
+                  <a16:creationId xmlns:a16="http://schemas.microsoft.com/office/drawing/2014/main" id="{E27B1E13-E65C-4C4E-80CF-AF800CD494CE}"/>
+                </a:ext>
+              </a:extLst>
+            </p:cNvPr>
+            <p:cNvSpPr/>
+            <p:nvPr/>
+          </p:nvSpPr>
+          <p:spPr>
+            <a:xfrm>
+              <a:off x="2271712" y="1813835"/>
+              <a:ext cx="1328737" cy="371475"/>
+            </a:xfrm>
+            <a:prstGeom prst="rect">
+              <a:avLst/>
+            </a:prstGeom>
+            <a:noFill/>
+            <a:ln w="28575">
+              <a:solidFill>
+                <a:srgbClr val="FF40FF"/>
+              </a:solidFill>
+            </a:ln>
+          </p:spPr>
+          <p:style>
+            <a:lnRef idx="2">
+              <a:schemeClr val="accent1">
+                <a:shade val="50000"/>
+              </a:schemeClr>
+            </a:lnRef>
+            <a:fillRef idx="1">
+              <a:schemeClr val="accent1"/>
+            </a:fillRef>
+            <a:effectRef idx="0">
+              <a:schemeClr val="accent1"/>
+            </a:effectRef>
+            <a:fontRef idx="minor">
+              <a:schemeClr val="lt1"/>
+            </a:fontRef>
+          </p:style>
+          <p:txBody>
+            <a:bodyPr rtlCol="0" anchor="ctr"/>
+            <a:lstStyle/>
+            <a:p>
+              <a:pPr algn="ctr"/>
+              <a:endParaRPr kumimoji="1" lang="ja-JP" altLang="en-US"/>
+            </a:p>
+          </p:txBody>
+        </p:sp>
+      </p:grpSp>
+    </p:spTree>
+    <p:extLst>
+      <p:ext uri="{BB962C8B-B14F-4D97-AF65-F5344CB8AC3E}">
+        <p14:creationId xmlns:p14="http://schemas.microsoft.com/office/powerpoint/2010/main" val="962295346"/>
+      </p:ext>
+    </p:extLst>
+  </p:cSld>
+  <p:clrMapOvr>
+    <a:masterClrMapping/>
+  </p:clrMapOvr>
+</p:sld>
+</file>
+
+<file path=ppt/slides/slide26.xml><?xml version="1.0" encoding="utf-8"?>
+<p:sld xmlns:a="http://schemas.openxmlformats.org/drawingml/2006/main" xmlns:r="http://schemas.openxmlformats.org/officeDocument/2006/relationships" xmlns:p="http://schemas.openxmlformats.org/presentationml/2006/main">
+  <p:cSld>
+    <p:spTree>
+      <p:nvGrpSpPr>
+        <p:cNvPr id="1" name=""/>
+        <p:cNvGrpSpPr/>
+        <p:nvPr/>
+      </p:nvGrpSpPr>
+      <p:grpSpPr>
+        <a:xfrm>
+          <a:off x="0" y="0"/>
+          <a:ext cx="0" cy="0"/>
+          <a:chOff x="0" y="0"/>
+          <a:chExt cx="0" cy="0"/>
+        </a:xfrm>
+      </p:grpSpPr>
+      <p:grpSp>
+        <p:nvGrpSpPr>
+          <p:cNvPr id="2" name="グループ化 1">
+            <a:extLst>
+              <a:ext uri="{FF2B5EF4-FFF2-40B4-BE49-F238E27FC236}">
+                <a16:creationId xmlns:a16="http://schemas.microsoft.com/office/drawing/2014/main" id="{1A443D98-F523-FA4B-80C6-7470F33A80BA}"/>
+              </a:ext>
+            </a:extLst>
+          </p:cNvPr>
+          <p:cNvGrpSpPr/>
+          <p:nvPr/>
+        </p:nvGrpSpPr>
+        <p:grpSpPr>
+          <a:xfrm>
+            <a:off x="2030412" y="2514901"/>
+            <a:ext cx="3848100" cy="2222500"/>
+            <a:chOff x="2030412" y="2514901"/>
+            <a:chExt cx="3848100" cy="2222500"/>
+          </a:xfrm>
+        </p:grpSpPr>
+        <p:pic>
+          <p:nvPicPr>
+            <p:cNvPr id="6" name="図 5">
+              <a:extLst>
+                <a:ext uri="{FF2B5EF4-FFF2-40B4-BE49-F238E27FC236}">
+                  <a16:creationId xmlns:a16="http://schemas.microsoft.com/office/drawing/2014/main" id="{54D80EF9-25B6-4741-99A5-53CA87E1163D}"/>
+                </a:ext>
+              </a:extLst>
+            </p:cNvPr>
+            <p:cNvPicPr>
+              <a:picLocks noChangeAspect="1"/>
+            </p:cNvPicPr>
+            <p:nvPr/>
+          </p:nvPicPr>
+          <p:blipFill>
+            <a:blip r:embed="rId2"/>
+            <a:stretch>
+              <a:fillRect/>
+            </a:stretch>
+          </p:blipFill>
+          <p:spPr>
+            <a:xfrm>
+              <a:off x="2030412" y="2514901"/>
+              <a:ext cx="3848100" cy="2222500"/>
+            </a:xfrm>
+            <a:prstGeom prst="rect">
+              <a:avLst/>
+            </a:prstGeom>
+          </p:spPr>
+        </p:pic>
+        <p:sp>
+          <p:nvSpPr>
+            <p:cNvPr id="5" name="正方形/長方形 4">
+              <a:extLst>
+                <a:ext uri="{FF2B5EF4-FFF2-40B4-BE49-F238E27FC236}">
+                  <a16:creationId xmlns:a16="http://schemas.microsoft.com/office/drawing/2014/main" id="{E27B1E13-E65C-4C4E-80CF-AF800CD494CE}"/>
+                </a:ext>
+              </a:extLst>
+            </p:cNvPr>
+            <p:cNvSpPr/>
+            <p:nvPr/>
+          </p:nvSpPr>
+          <p:spPr>
+            <a:xfrm>
+              <a:off x="2514599" y="4365926"/>
+              <a:ext cx="1328737" cy="371475"/>
+            </a:xfrm>
+            <a:prstGeom prst="rect">
+              <a:avLst/>
+            </a:prstGeom>
+            <a:noFill/>
+            <a:ln w="28575">
+              <a:solidFill>
+                <a:srgbClr val="FF40FF"/>
+              </a:solidFill>
+            </a:ln>
+          </p:spPr>
+          <p:style>
+            <a:lnRef idx="2">
+              <a:schemeClr val="accent1">
+                <a:shade val="50000"/>
+              </a:schemeClr>
+            </a:lnRef>
+            <a:fillRef idx="1">
+              <a:schemeClr val="accent1"/>
+            </a:fillRef>
+            <a:effectRef idx="0">
+              <a:schemeClr val="accent1"/>
+            </a:effectRef>
+            <a:fontRef idx="minor">
+              <a:schemeClr val="lt1"/>
+            </a:fontRef>
+          </p:style>
+          <p:txBody>
+            <a:bodyPr rtlCol="0" anchor="ctr"/>
+            <a:lstStyle/>
+            <a:p>
+              <a:pPr algn="ctr"/>
+              <a:endParaRPr kumimoji="1" lang="ja-JP" altLang="en-US"/>
+            </a:p>
+          </p:txBody>
+        </p:sp>
+      </p:grpSp>
+    </p:spTree>
+    <p:extLst>
+      <p:ext uri="{BB962C8B-B14F-4D97-AF65-F5344CB8AC3E}">
+        <p14:creationId xmlns:p14="http://schemas.microsoft.com/office/powerpoint/2010/main" val="4019919521"/>
+      </p:ext>
+    </p:extLst>
+  </p:cSld>
+  <p:clrMapOvr>
+    <a:masterClrMapping/>
+  </p:clrMapOvr>
+</p:sld>
+</file>
+
+<file path=ppt/slides/slide27.xml><?xml version="1.0" encoding="utf-8"?>
+<p:sld xmlns:a="http://schemas.openxmlformats.org/drawingml/2006/main" xmlns:r="http://schemas.openxmlformats.org/officeDocument/2006/relationships" xmlns:p="http://schemas.openxmlformats.org/presentationml/2006/main">
+  <p:cSld>
+    <p:spTree>
+      <p:nvGrpSpPr>
+        <p:cNvPr id="1" name=""/>
+        <p:cNvGrpSpPr/>
+        <p:nvPr/>
+      </p:nvGrpSpPr>
+      <p:grpSpPr>
+        <a:xfrm>
+          <a:off x="0" y="0"/>
+          <a:ext cx="0" cy="0"/>
+          <a:chOff x="0" y="0"/>
+          <a:chExt cx="0" cy="0"/>
+        </a:xfrm>
+      </p:grpSpPr>
+      <p:grpSp>
+        <p:nvGrpSpPr>
+          <p:cNvPr id="9" name="グループ化 8">
+            <a:extLst>
+              <a:ext uri="{FF2B5EF4-FFF2-40B4-BE49-F238E27FC236}">
+                <a16:creationId xmlns:a16="http://schemas.microsoft.com/office/drawing/2014/main" id="{1B8B7F25-AA76-D44A-9893-5DD2873F6C6F}"/>
+              </a:ext>
+            </a:extLst>
+          </p:cNvPr>
+          <p:cNvGrpSpPr/>
+          <p:nvPr/>
+        </p:nvGrpSpPr>
+        <p:grpSpPr>
+          <a:xfrm>
+            <a:off x="1866900" y="508000"/>
+            <a:ext cx="8458200" cy="5842000"/>
+            <a:chOff x="1866900" y="508000"/>
+            <a:chExt cx="8458200" cy="5842000"/>
+          </a:xfrm>
+        </p:grpSpPr>
+        <p:pic>
+          <p:nvPicPr>
+            <p:cNvPr id="6" name="図 5">
+              <a:extLst>
+                <a:ext uri="{FF2B5EF4-FFF2-40B4-BE49-F238E27FC236}">
+                  <a16:creationId xmlns:a16="http://schemas.microsoft.com/office/drawing/2014/main" id="{F166806E-EE40-0F4B-997A-3395A7226E94}"/>
+                </a:ext>
+              </a:extLst>
+            </p:cNvPr>
+            <p:cNvPicPr>
+              <a:picLocks noChangeAspect="1"/>
+            </p:cNvPicPr>
+            <p:nvPr/>
+          </p:nvPicPr>
+          <p:blipFill>
+            <a:blip r:embed="rId2"/>
+            <a:stretch>
+              <a:fillRect/>
+            </a:stretch>
+          </p:blipFill>
+          <p:spPr>
+            <a:xfrm>
+              <a:off x="1866900" y="508000"/>
+              <a:ext cx="8458200" cy="5842000"/>
+            </a:xfrm>
+            <a:prstGeom prst="rect">
+              <a:avLst/>
+            </a:prstGeom>
+          </p:spPr>
+        </p:pic>
+        <p:sp>
+          <p:nvSpPr>
+            <p:cNvPr id="7" name="正方形/長方形 6">
+              <a:extLst>
+                <a:ext uri="{FF2B5EF4-FFF2-40B4-BE49-F238E27FC236}">
+                  <a16:creationId xmlns:a16="http://schemas.microsoft.com/office/drawing/2014/main" id="{19F542CC-BB7E-0B4F-AA3B-3AD1B7B8EBD8}"/>
+                </a:ext>
+              </a:extLst>
+            </p:cNvPr>
+            <p:cNvSpPr/>
+            <p:nvPr/>
+          </p:nvSpPr>
+          <p:spPr>
+            <a:xfrm>
+              <a:off x="7058024" y="4551664"/>
+              <a:ext cx="2100264" cy="406099"/>
+            </a:xfrm>
+            <a:prstGeom prst="rect">
+              <a:avLst/>
+            </a:prstGeom>
+            <a:noFill/>
+            <a:ln w="28575">
+              <a:solidFill>
+                <a:srgbClr val="FF40FF"/>
+              </a:solidFill>
+            </a:ln>
+          </p:spPr>
+          <p:style>
+            <a:lnRef idx="2">
+              <a:schemeClr val="accent1">
+                <a:shade val="50000"/>
+              </a:schemeClr>
+            </a:lnRef>
+            <a:fillRef idx="1">
+              <a:schemeClr val="accent1"/>
+            </a:fillRef>
+            <a:effectRef idx="0">
+              <a:schemeClr val="accent1"/>
+            </a:effectRef>
+            <a:fontRef idx="minor">
+              <a:schemeClr val="lt1"/>
+            </a:fontRef>
+          </p:style>
+          <p:txBody>
+            <a:bodyPr rtlCol="0" anchor="ctr"/>
+            <a:lstStyle/>
+            <a:p>
+              <a:pPr algn="ctr"/>
+              <a:endParaRPr kumimoji="1" lang="ja-JP" altLang="en-US"/>
+            </a:p>
+          </p:txBody>
+        </p:sp>
+        <p:sp>
+          <p:nvSpPr>
+            <p:cNvPr id="8" name="正方形/長方形 7">
+              <a:extLst>
+                <a:ext uri="{FF2B5EF4-FFF2-40B4-BE49-F238E27FC236}">
+                  <a16:creationId xmlns:a16="http://schemas.microsoft.com/office/drawing/2014/main" id="{CD7953E3-3D0A-B14B-B190-776B3D3D04E7}"/>
+                </a:ext>
+              </a:extLst>
+            </p:cNvPr>
+            <p:cNvSpPr/>
+            <p:nvPr/>
+          </p:nvSpPr>
+          <p:spPr>
+            <a:xfrm>
+              <a:off x="8666162" y="609598"/>
+              <a:ext cx="1504950" cy="247650"/>
+            </a:xfrm>
+            <a:prstGeom prst="rect">
+              <a:avLst/>
+            </a:prstGeom>
+            <a:solidFill>
+              <a:schemeClr val="tx1"/>
+            </a:solidFill>
+            <a:ln>
+              <a:noFill/>
+            </a:ln>
+          </p:spPr>
+          <p:style>
+            <a:lnRef idx="2">
+              <a:schemeClr val="accent1">
+                <a:shade val="50000"/>
+              </a:schemeClr>
+            </a:lnRef>
+            <a:fillRef idx="1">
+              <a:schemeClr val="accent1"/>
+            </a:fillRef>
+            <a:effectRef idx="0">
+              <a:schemeClr val="accent1"/>
+            </a:effectRef>
+            <a:fontRef idx="minor">
+              <a:schemeClr val="lt1"/>
+            </a:fontRef>
+          </p:style>
+          <p:txBody>
+            <a:bodyPr rtlCol="0" anchor="ctr"/>
+            <a:lstStyle/>
+            <a:p>
+              <a:pPr algn="ctr"/>
+              <a:endParaRPr kumimoji="1" lang="ja-JP" altLang="en-US"/>
+            </a:p>
+          </p:txBody>
+        </p:sp>
+      </p:grpSp>
+    </p:spTree>
+    <p:extLst>
+      <p:ext uri="{BB962C8B-B14F-4D97-AF65-F5344CB8AC3E}">
+        <p14:creationId xmlns:p14="http://schemas.microsoft.com/office/powerpoint/2010/main" val="2878467526"/>
+      </p:ext>
+    </p:extLst>
+  </p:cSld>
+  <p:clrMapOvr>
+    <a:masterClrMapping/>
+  </p:clrMapOvr>
+</p:sld>
+</file>
+
+<file path=ppt/slides/slide28.xml><?xml version="1.0" encoding="utf-8"?>
+<p:sld xmlns:a="http://schemas.openxmlformats.org/drawingml/2006/main" xmlns:r="http://schemas.openxmlformats.org/officeDocument/2006/relationships" xmlns:p="http://schemas.openxmlformats.org/presentationml/2006/main">
+  <p:cSld>
+    <p:spTree>
+      <p:nvGrpSpPr>
+        <p:cNvPr id="1" name=""/>
+        <p:cNvGrpSpPr/>
+        <p:nvPr/>
+      </p:nvGrpSpPr>
+      <p:grpSpPr>
+        <a:xfrm>
+          <a:off x="0" y="0"/>
+          <a:ext cx="0" cy="0"/>
+          <a:chOff x="0" y="0"/>
+          <a:chExt cx="0" cy="0"/>
+        </a:xfrm>
+      </p:grpSpPr>
+      <p:pic>
+        <p:nvPicPr>
+          <p:cNvPr id="3" name="図 2">
+            <a:extLst>
+              <a:ext uri="{FF2B5EF4-FFF2-40B4-BE49-F238E27FC236}">
+                <a16:creationId xmlns:a16="http://schemas.microsoft.com/office/drawing/2014/main" id="{4C9B90D0-1709-9F42-9A5D-6F1FFED343E6}"/>
+              </a:ext>
+            </a:extLst>
+          </p:cNvPr>
+          <p:cNvPicPr>
+            <a:picLocks noChangeAspect="1"/>
+          </p:cNvPicPr>
+          <p:nvPr/>
+        </p:nvPicPr>
+        <p:blipFill>
+          <a:blip r:embed="rId2"/>
+          <a:stretch>
+            <a:fillRect/>
+          </a:stretch>
+        </p:blipFill>
+        <p:spPr>
+          <a:xfrm>
+            <a:off x="2641600" y="2698750"/>
+            <a:ext cx="6908800" cy="1460500"/>
+          </a:xfrm>
+          <a:prstGeom prst="rect">
+            <a:avLst/>
+          </a:prstGeom>
+        </p:spPr>
+      </p:pic>
+    </p:spTree>
+    <p:extLst>
+      <p:ext uri="{BB962C8B-B14F-4D97-AF65-F5344CB8AC3E}">
+        <p14:creationId xmlns:p14="http://schemas.microsoft.com/office/powerpoint/2010/main" val="212506184"/>
+      </p:ext>
+    </p:extLst>
+  </p:cSld>
+  <p:clrMapOvr>
+    <a:masterClrMapping/>
+  </p:clrMapOvr>
+</p:sld>
+</file>
+
+<file path=ppt/slides/slide29.xml><?xml version="1.0" encoding="utf-8"?>
+<p:sld xmlns:a="http://schemas.openxmlformats.org/drawingml/2006/main" xmlns:r="http://schemas.openxmlformats.org/officeDocument/2006/relationships" xmlns:p="http://schemas.openxmlformats.org/presentationml/2006/main">
+  <p:cSld>
+    <p:spTree>
+      <p:nvGrpSpPr>
+        <p:cNvPr id="1" name=""/>
+        <p:cNvGrpSpPr/>
+        <p:nvPr/>
+      </p:nvGrpSpPr>
+      <p:grpSpPr>
+        <a:xfrm>
+          <a:off x="0" y="0"/>
+          <a:ext cx="0" cy="0"/>
+          <a:chOff x="0" y="0"/>
+          <a:chExt cx="0" cy="0"/>
+        </a:xfrm>
+      </p:grpSpPr>
+      <p:grpSp>
+        <p:nvGrpSpPr>
+          <p:cNvPr id="8" name="グループ化 7">
+            <a:extLst>
+              <a:ext uri="{FF2B5EF4-FFF2-40B4-BE49-F238E27FC236}">
+                <a16:creationId xmlns:a16="http://schemas.microsoft.com/office/drawing/2014/main" id="{DD7371FE-2980-9049-B50F-59C9A6544A23}"/>
+              </a:ext>
+            </a:extLst>
+          </p:cNvPr>
+          <p:cNvGrpSpPr/>
+          <p:nvPr/>
+        </p:nvGrpSpPr>
+        <p:grpSpPr>
+          <a:xfrm>
+            <a:off x="1841500" y="1282700"/>
+            <a:ext cx="8509000" cy="4292600"/>
+            <a:chOff x="1841500" y="1282700"/>
+            <a:chExt cx="8509000" cy="4292600"/>
+          </a:xfrm>
+        </p:grpSpPr>
+        <p:pic>
+          <p:nvPicPr>
+            <p:cNvPr id="3" name="図 2">
+              <a:extLst>
+                <a:ext uri="{FF2B5EF4-FFF2-40B4-BE49-F238E27FC236}">
+                  <a16:creationId xmlns:a16="http://schemas.microsoft.com/office/drawing/2014/main" id="{753198E4-9C28-C14D-93CC-3F04209407AB}"/>
+                </a:ext>
+              </a:extLst>
+            </p:cNvPr>
+            <p:cNvPicPr>
+              <a:picLocks noChangeAspect="1"/>
+            </p:cNvPicPr>
+            <p:nvPr/>
+          </p:nvPicPr>
+          <p:blipFill>
+            <a:blip r:embed="rId2"/>
+            <a:stretch>
+              <a:fillRect/>
+            </a:stretch>
+          </p:blipFill>
+          <p:spPr>
+            <a:xfrm>
+              <a:off x="1841500" y="1282700"/>
+              <a:ext cx="8509000" cy="4292600"/>
+            </a:xfrm>
+            <a:prstGeom prst="rect">
+              <a:avLst/>
+            </a:prstGeom>
+          </p:spPr>
+        </p:pic>
+        <p:sp>
+          <p:nvSpPr>
+            <p:cNvPr id="4" name="正方形/長方形 3">
+              <a:extLst>
+                <a:ext uri="{FF2B5EF4-FFF2-40B4-BE49-F238E27FC236}">
+                  <a16:creationId xmlns:a16="http://schemas.microsoft.com/office/drawing/2014/main" id="{257BD8A6-33D4-C448-9D12-A571FCAEDCDE}"/>
+                </a:ext>
+              </a:extLst>
+            </p:cNvPr>
+            <p:cNvSpPr/>
+            <p:nvPr/>
+          </p:nvSpPr>
+          <p:spPr>
+            <a:xfrm>
+              <a:off x="2000249" y="4808840"/>
+              <a:ext cx="985839" cy="248936"/>
+            </a:xfrm>
+            <a:prstGeom prst="rect">
+              <a:avLst/>
+            </a:prstGeom>
+            <a:noFill/>
+            <a:ln w="28575">
+              <a:solidFill>
+                <a:srgbClr val="FF40FF"/>
+              </a:solidFill>
+            </a:ln>
+          </p:spPr>
+          <p:style>
+            <a:lnRef idx="2">
+              <a:schemeClr val="accent1">
+                <a:shade val="50000"/>
+              </a:schemeClr>
+            </a:lnRef>
+            <a:fillRef idx="1">
+              <a:schemeClr val="accent1"/>
+            </a:fillRef>
+            <a:effectRef idx="0">
+              <a:schemeClr val="accent1"/>
+            </a:effectRef>
+            <a:fontRef idx="minor">
+              <a:schemeClr val="lt1"/>
+            </a:fontRef>
+          </p:style>
+          <p:txBody>
+            <a:bodyPr rtlCol="0" anchor="ctr"/>
+            <a:lstStyle/>
+            <a:p>
+              <a:pPr algn="ctr"/>
+              <a:endParaRPr kumimoji="1" lang="ja-JP" altLang="en-US"/>
+            </a:p>
+          </p:txBody>
+        </p:sp>
+        <p:sp>
+          <p:nvSpPr>
+            <p:cNvPr id="5" name="正方形/長方形 4">
+              <a:extLst>
+                <a:ext uri="{FF2B5EF4-FFF2-40B4-BE49-F238E27FC236}">
+                  <a16:creationId xmlns:a16="http://schemas.microsoft.com/office/drawing/2014/main" id="{C8CB336E-2B28-6B40-81B1-37F04850316B}"/>
+                </a:ext>
+              </a:extLst>
+            </p:cNvPr>
+            <p:cNvSpPr/>
+            <p:nvPr/>
+          </p:nvSpPr>
+          <p:spPr>
+            <a:xfrm>
+              <a:off x="8651875" y="1382710"/>
+              <a:ext cx="1504950" cy="247650"/>
+            </a:xfrm>
+            <a:prstGeom prst="rect">
+              <a:avLst/>
+            </a:prstGeom>
+            <a:solidFill>
+              <a:schemeClr val="tx1"/>
+            </a:solidFill>
+            <a:ln>
+              <a:noFill/>
+            </a:ln>
+          </p:spPr>
+          <p:style>
+            <a:lnRef idx="2">
+              <a:schemeClr val="accent1">
+                <a:shade val="50000"/>
+              </a:schemeClr>
+            </a:lnRef>
+            <a:fillRef idx="1">
+              <a:schemeClr val="accent1"/>
+            </a:fillRef>
+            <a:effectRef idx="0">
+              <a:schemeClr val="accent1"/>
+            </a:effectRef>
+            <a:fontRef idx="minor">
+              <a:schemeClr val="lt1"/>
+            </a:fontRef>
+          </p:style>
+          <p:txBody>
+            <a:bodyPr rtlCol="0" anchor="ctr"/>
+            <a:lstStyle/>
+            <a:p>
+              <a:pPr algn="ctr"/>
+              <a:endParaRPr kumimoji="1" lang="ja-JP" altLang="en-US"/>
+            </a:p>
+          </p:txBody>
+        </p:sp>
+        <p:sp>
+          <p:nvSpPr>
+            <p:cNvPr id="6" name="正方形/長方形 5">
+              <a:extLst>
+                <a:ext uri="{FF2B5EF4-FFF2-40B4-BE49-F238E27FC236}">
+                  <a16:creationId xmlns:a16="http://schemas.microsoft.com/office/drawing/2014/main" id="{40961C82-AFF3-4545-9052-01588602B042}"/>
+                </a:ext>
+              </a:extLst>
+            </p:cNvPr>
+            <p:cNvSpPr/>
+            <p:nvPr/>
+          </p:nvSpPr>
+          <p:spPr>
+            <a:xfrm>
+              <a:off x="1943096" y="1800224"/>
+              <a:ext cx="985839" cy="248936"/>
+            </a:xfrm>
+            <a:prstGeom prst="rect">
+              <a:avLst/>
+            </a:prstGeom>
+            <a:noFill/>
+            <a:ln w="28575">
+              <a:solidFill>
+                <a:srgbClr val="FF40FF"/>
+              </a:solidFill>
+            </a:ln>
+          </p:spPr>
+          <p:style>
+            <a:lnRef idx="2">
+              <a:schemeClr val="accent1">
+                <a:shade val="50000"/>
+              </a:schemeClr>
+            </a:lnRef>
+            <a:fillRef idx="1">
+              <a:schemeClr val="accent1"/>
+            </a:fillRef>
+            <a:effectRef idx="0">
+              <a:schemeClr val="accent1"/>
+            </a:effectRef>
+            <a:fontRef idx="minor">
+              <a:schemeClr val="lt1"/>
+            </a:fontRef>
+          </p:style>
+          <p:txBody>
+            <a:bodyPr rtlCol="0" anchor="ctr"/>
+            <a:lstStyle/>
+            <a:p>
+              <a:pPr algn="ctr"/>
+              <a:endParaRPr kumimoji="1" lang="ja-JP" altLang="en-US"/>
+            </a:p>
+          </p:txBody>
+        </p:sp>
+        <p:sp>
+          <p:nvSpPr>
+            <p:cNvPr id="7" name="正方形/長方形 6">
+              <a:extLst>
+                <a:ext uri="{FF2B5EF4-FFF2-40B4-BE49-F238E27FC236}">
+                  <a16:creationId xmlns:a16="http://schemas.microsoft.com/office/drawing/2014/main" id="{3CF36406-BAAC-DC40-9E46-81A94558DB89}"/>
+                </a:ext>
+              </a:extLst>
+            </p:cNvPr>
+            <p:cNvSpPr/>
+            <p:nvPr/>
+          </p:nvSpPr>
+          <p:spPr>
+            <a:xfrm>
+              <a:off x="9558338" y="2049160"/>
+              <a:ext cx="792162" cy="508303"/>
+            </a:xfrm>
+            <a:prstGeom prst="rect">
+              <a:avLst/>
+            </a:prstGeom>
+            <a:noFill/>
+            <a:ln w="28575">
+              <a:solidFill>
+                <a:srgbClr val="FF40FF"/>
+              </a:solidFill>
+            </a:ln>
+          </p:spPr>
+          <p:style>
+            <a:lnRef idx="2">
+              <a:schemeClr val="accent1">
+                <a:shade val="50000"/>
+              </a:schemeClr>
+            </a:lnRef>
+            <a:fillRef idx="1">
+              <a:schemeClr val="accent1"/>
+            </a:fillRef>
+            <a:effectRef idx="0">
+              <a:schemeClr val="accent1"/>
+            </a:effectRef>
+            <a:fontRef idx="minor">
+              <a:schemeClr val="lt1"/>
+            </a:fontRef>
+          </p:style>
+          <p:txBody>
+            <a:bodyPr rtlCol="0" anchor="ctr"/>
+            <a:lstStyle/>
+            <a:p>
+              <a:pPr algn="ctr"/>
+              <a:endParaRPr kumimoji="1" lang="ja-JP" altLang="en-US"/>
+            </a:p>
+          </p:txBody>
+        </p:sp>
+      </p:grpSp>
+    </p:spTree>
+    <p:extLst>
+      <p:ext uri="{BB962C8B-B14F-4D97-AF65-F5344CB8AC3E}">
+        <p14:creationId xmlns:p14="http://schemas.microsoft.com/office/powerpoint/2010/main" val="3485920870"/>
       </p:ext>
     </p:extLst>
   </p:cSld>
